--- a/lessons_I/9-11/les_7/les_7_class_1.pptx
+++ b/lessons_I/9-11/les_7/les_7_class_1.pptx
@@ -1383,6 +1383,66 @@
         <p:txBody>
           <a:bodyPr/>
           <a:lstStyle/>
+          <a:p>
+            <a:pPr marL="0" marR="0" lvl="0" indent="0" algn="l" defTabSz="914400" rtl="0" eaLnBrk="1" fontAlgn="auto" latinLnBrk="0" hangingPunct="1">
+              <a:lnSpc>
+                <a:spcPct val="100000"/>
+              </a:lnSpc>
+              <a:spcBef>
+                <a:spcPts val="0"/>
+              </a:spcBef>
+              <a:spcAft>
+                <a:spcPts val="0"/>
+              </a:spcAft>
+              <a:buClrTx/>
+              <a:buSzTx/>
+              <a:buFontTx/>
+              <a:buNone/>
+              <a:tabLst/>
+              <a:defRPr/>
+            </a:pPr>
+            <a:r>
+              <a:rPr lang="en-US" dirty="0" smtClean="0">
+                <a:latin typeface="Calibri" panose="020F0502020204030204" pitchFamily="34" charset="0"/>
+                <a:cs typeface="Calibri" panose="020F0502020204030204" pitchFamily="34" charset="0"/>
+              </a:rPr>
+              <a:t>(this-&gt;)</a:t>
+            </a:r>
+            <a:endParaRPr lang="ru-RU" dirty="0" smtClean="0">
+              <a:latin typeface="Calibri" panose="020F0502020204030204" pitchFamily="34" charset="0"/>
+              <a:cs typeface="Calibri" panose="020F0502020204030204" pitchFamily="34" charset="0"/>
+            </a:endParaRPr>
+          </a:p>
+          <a:p>
+            <a:pPr marL="0" marR="0" lvl="0" indent="0" algn="l" defTabSz="914400" rtl="0" eaLnBrk="1" fontAlgn="auto" latinLnBrk="0" hangingPunct="1">
+              <a:lnSpc>
+                <a:spcPct val="100000"/>
+              </a:lnSpc>
+              <a:spcBef>
+                <a:spcPts val="0"/>
+              </a:spcBef>
+              <a:spcAft>
+                <a:spcPts val="0"/>
+              </a:spcAft>
+              <a:buClrTx/>
+              <a:buSzTx/>
+              <a:buFontTx/>
+              <a:buNone/>
+              <a:tabLst/>
+              <a:defRPr/>
+            </a:pPr>
+            <a:r>
+              <a:rPr lang="en-US" dirty="0" smtClean="0">
+                <a:latin typeface="Calibri" panose="020F0502020204030204" pitchFamily="34" charset="0"/>
+                <a:cs typeface="Calibri" panose="020F0502020204030204" pitchFamily="34" charset="0"/>
+              </a:rPr>
+              <a:t>(operator+)</a:t>
+            </a:r>
+            <a:endParaRPr lang="ru-RU" dirty="0" smtClean="0">
+              <a:latin typeface="Calibri" panose="020F0502020204030204" pitchFamily="34" charset="0"/>
+              <a:cs typeface="Calibri" panose="020F0502020204030204" pitchFamily="34" charset="0"/>
+            </a:endParaRPr>
+          </a:p>
           <a:p>
             <a:endParaRPr lang="en-US" dirty="0"/>
           </a:p>
@@ -10919,31 +10979,56 @@
                 <a:latin typeface="Calibri" panose="020F0502020204030204" pitchFamily="34" charset="0"/>
                 <a:cs typeface="Calibri" panose="020F0502020204030204" pitchFamily="34" charset="0"/>
               </a:rPr>
-              <a:t>Что если названия скрытых полей класса совпадут с аргументами, передаваемыми в конструктор?</a:t>
-            </a:r>
+              <a:t>Что если названия скрытых полей класса совпадут с аргументами, передаваемыми в конструктор</a:t>
+            </a:r>
+            <a:r>
+              <a:rPr lang="ru-RU" dirty="0" smtClean="0">
+                <a:latin typeface="Calibri" panose="020F0502020204030204" pitchFamily="34" charset="0"/>
+                <a:cs typeface="Calibri" panose="020F0502020204030204" pitchFamily="34" charset="0"/>
+              </a:rPr>
+              <a:t>?</a:t>
+            </a:r>
+            <a:endParaRPr lang="ru-RU" dirty="0">
+              <a:latin typeface="Calibri" panose="020F0502020204030204" pitchFamily="34" charset="0"/>
+              <a:cs typeface="Calibri" panose="020F0502020204030204" pitchFamily="34" charset="0"/>
+            </a:endParaRPr>
+          </a:p>
+          <a:p>
+            <a:endParaRPr lang="ru-RU" dirty="0">
+              <a:latin typeface="Calibri" panose="020F0502020204030204" pitchFamily="34" charset="0"/>
+              <a:cs typeface="Calibri" panose="020F0502020204030204" pitchFamily="34" charset="0"/>
+            </a:endParaRPr>
           </a:p>
           <a:p>
             <a:pPr marL="285750" indent="-285750">
               <a:buFont typeface="Arial" panose="020B0604020202020204" pitchFamily="34" charset="0"/>
               <a:buChar char="•"/>
             </a:pPr>
-            <a:endParaRPr lang="ru-RU" dirty="0">
-              <a:latin typeface="Calibri" panose="020F0502020204030204" pitchFamily="34" charset="0"/>
-              <a:cs typeface="Calibri" panose="020F0502020204030204" pitchFamily="34" charset="0"/>
-            </a:endParaRPr>
-          </a:p>
-          <a:p>
-            <a:pPr marL="285750" indent="-285750">
-              <a:buFont typeface="Arial" panose="020B0604020202020204" pitchFamily="34" charset="0"/>
-              <a:buChar char="•"/>
-            </a:pPr>
             <a:r>
               <a:rPr lang="ru-RU" dirty="0" smtClean="0">
                 <a:latin typeface="Calibri" panose="020F0502020204030204" pitchFamily="34" charset="0"/>
                 <a:cs typeface="Calibri" panose="020F0502020204030204" pitchFamily="34" charset="0"/>
               </a:rPr>
-              <a:t>Взаимодействие двух объектов одного класса (например, сложение)</a:t>
-            </a:r>
+              <a:t>Взаимодействие двух объектов одного класса (например, </a:t>
+            </a:r>
+            <a:r>
+              <a:rPr lang="ru-RU" dirty="0" smtClean="0">
+                <a:latin typeface="Calibri" panose="020F0502020204030204" pitchFamily="34" charset="0"/>
+                <a:cs typeface="Calibri" panose="020F0502020204030204" pitchFamily="34" charset="0"/>
+              </a:rPr>
+              <a:t>сложени</a:t>
+            </a:r>
+            <a:r>
+              <a:rPr lang="ru-RU" dirty="0" smtClean="0">
+                <a:latin typeface="Calibri" panose="020F0502020204030204" pitchFamily="34" charset="0"/>
+                <a:cs typeface="Calibri" panose="020F0502020204030204" pitchFamily="34" charset="0"/>
+              </a:rPr>
+              <a:t>е)</a:t>
+            </a:r>
+            <a:endParaRPr lang="en-US" dirty="0" smtClean="0">
+              <a:latin typeface="Calibri" panose="020F0502020204030204" pitchFamily="34" charset="0"/>
+              <a:cs typeface="Calibri" panose="020F0502020204030204" pitchFamily="34" charset="0"/>
+            </a:endParaRPr>
           </a:p>
         </p:txBody>
       </p:sp>
@@ -12662,7 +12747,7 @@
         <p:spPr>
           <a:xfrm>
             <a:off x="736920" y="2161214"/>
-            <a:ext cx="7618260" cy="3833185"/>
+            <a:ext cx="7618260" cy="4225186"/>
           </a:xfrm>
           <a:prstGeom prst="rect">
             <a:avLst/>
@@ -12796,7 +12881,14 @@
                 <a:latin typeface="Calibri" panose="020F0502020204030204" pitchFamily="34" charset="0"/>
                 <a:cs typeface="Calibri" panose="020F0502020204030204" pitchFamily="34" charset="0"/>
               </a:rPr>
-              <a:t>отображение дроби на экран в обычном виде и десятичном</a:t>
+              <a:t>отображение дроби на экран в обычном виде и </a:t>
+            </a:r>
+            <a:r>
+              <a:rPr lang="ru-RU" dirty="0" smtClean="0">
+                <a:latin typeface="Calibri" panose="020F0502020204030204" pitchFamily="34" charset="0"/>
+                <a:cs typeface="Calibri" panose="020F0502020204030204" pitchFamily="34" charset="0"/>
+              </a:rPr>
+              <a:t>десятичном</a:t>
             </a:r>
             <a:endParaRPr lang="en-US" dirty="0">
               <a:latin typeface="Calibri" panose="020F0502020204030204" pitchFamily="34" charset="0"/>
@@ -12804,7 +12896,20 @@
             </a:endParaRPr>
           </a:p>
           <a:p>
-            <a:endParaRPr lang="ru-RU" dirty="0" smtClean="0">
+            <a:endParaRPr lang="en-US" dirty="0">
+              <a:latin typeface="Calibri" panose="020F0502020204030204" pitchFamily="34" charset="0"/>
+              <a:cs typeface="Calibri" panose="020F0502020204030204" pitchFamily="34" charset="0"/>
+            </a:endParaRPr>
+          </a:p>
+          <a:p>
+            <a:r>
+              <a:rPr lang="en-US" dirty="0" smtClean="0">
+                <a:latin typeface="Calibri" panose="020F0502020204030204" pitchFamily="34" charset="0"/>
+                <a:cs typeface="Calibri" panose="020F0502020204030204" pitchFamily="34" charset="0"/>
+              </a:rPr>
+              <a:t>*</a:t>
+            </a:r>
+            <a:endParaRPr lang="ru-RU" dirty="0">
               <a:latin typeface="Calibri" panose="020F0502020204030204" pitchFamily="34" charset="0"/>
               <a:cs typeface="Calibri" panose="020F0502020204030204" pitchFamily="34" charset="0"/>
             </a:endParaRPr>
@@ -12815,47 +12920,41 @@
                 <a:latin typeface="Calibri" panose="020F0502020204030204" pitchFamily="34" charset="0"/>
                 <a:cs typeface="Calibri" panose="020F0502020204030204" pitchFamily="34" charset="0"/>
               </a:rPr>
-              <a:t>*</a:t>
-            </a:r>
-          </a:p>
-          <a:p>
+              <a:t>Сумма, разность, умножение и деление дробей (названия методов: </a:t>
+            </a:r>
+            <a:r>
+              <a:rPr lang="en-US" dirty="0" smtClean="0">
+                <a:latin typeface="Calibri" panose="020F0502020204030204" pitchFamily="34" charset="0"/>
+                <a:cs typeface="Calibri" panose="020F0502020204030204" pitchFamily="34" charset="0"/>
+              </a:rPr>
+              <a:t>operator+, operator-, operator*, operator/</a:t>
+            </a:r>
             <a:r>
               <a:rPr lang="ru-RU" dirty="0" smtClean="0">
                 <a:latin typeface="Calibri" panose="020F0502020204030204" pitchFamily="34" charset="0"/>
                 <a:cs typeface="Calibri" panose="020F0502020204030204" pitchFamily="34" charset="0"/>
               </a:rPr>
-              <a:t>Работоспособность программы с неправильными дробями</a:t>
-            </a:r>
-            <a:endParaRPr lang="ru-RU" dirty="0">
+              <a:t>)</a:t>
+            </a:r>
+            <a:endParaRPr lang="en-US" dirty="0" smtClean="0">
               <a:latin typeface="Calibri" panose="020F0502020204030204" pitchFamily="34" charset="0"/>
               <a:cs typeface="Calibri" panose="020F0502020204030204" pitchFamily="34" charset="0"/>
             </a:endParaRPr>
           </a:p>
           <a:p>
-            <a:endParaRPr lang="ru-RU" dirty="0">
+            <a:endParaRPr lang="en-US" b="1" dirty="0">
               <a:latin typeface="Calibri" panose="020F0502020204030204" pitchFamily="34" charset="0"/>
               <a:cs typeface="Calibri" panose="020F0502020204030204" pitchFamily="34" charset="0"/>
             </a:endParaRPr>
           </a:p>
           <a:p>
             <a:r>
-              <a:rPr lang="ru-RU" dirty="0">
+              <a:rPr lang="en-US" b="1" dirty="0" smtClean="0">
                 <a:latin typeface="Calibri" panose="020F0502020204030204" pitchFamily="34" charset="0"/>
                 <a:cs typeface="Calibri" panose="020F0502020204030204" pitchFamily="34" charset="0"/>
               </a:rPr>
-              <a:t>*</a:t>
-            </a:r>
-            <a:r>
-              <a:rPr lang="en-US" dirty="0">
-                <a:latin typeface="Calibri" panose="020F0502020204030204" pitchFamily="34" charset="0"/>
-                <a:cs typeface="Calibri" panose="020F0502020204030204" pitchFamily="34" charset="0"/>
-              </a:rPr>
-              <a:t>*</a:t>
-            </a:r>
-            <a:endParaRPr lang="ru-RU" dirty="0">
-              <a:latin typeface="Calibri" panose="020F0502020204030204" pitchFamily="34" charset="0"/>
-              <a:cs typeface="Calibri" panose="020F0502020204030204" pitchFamily="34" charset="0"/>
-            </a:endParaRPr>
+              <a:t>**</a:t>
+            </a:r>
           </a:p>
           <a:p>
             <a:r>
@@ -12863,14 +12962,21 @@
                 <a:latin typeface="Calibri" panose="020F0502020204030204" pitchFamily="34" charset="0"/>
                 <a:cs typeface="Calibri" panose="020F0502020204030204" pitchFamily="34" charset="0"/>
               </a:rPr>
-              <a:t>Сумма, разность, умножение и деление дробей (названия методов: </a:t>
+              <a:t>Упрощени</a:t>
+            </a:r>
+            <a:r>
+              <a:rPr lang="ru-RU" dirty="0" smtClean="0">
+                <a:latin typeface="Calibri" panose="020F0502020204030204" pitchFamily="34" charset="0"/>
+                <a:cs typeface="Calibri" panose="020F0502020204030204" pitchFamily="34" charset="0"/>
+              </a:rPr>
+              <a:t>е дробей (25/100 –</a:t>
             </a:r>
             <a:r>
               <a:rPr lang="en-US" dirty="0" smtClean="0">
                 <a:latin typeface="Calibri" panose="020F0502020204030204" pitchFamily="34" charset="0"/>
                 <a:cs typeface="Calibri" panose="020F0502020204030204" pitchFamily="34" charset="0"/>
               </a:rPr>
-              <a:t>operator+, operator-, operator*, operator/</a:t>
+              <a:t>&gt; 1/4</a:t>
             </a:r>
             <a:r>
               <a:rPr lang="ru-RU" dirty="0" smtClean="0">
@@ -12879,7 +12985,7 @@
               </a:rPr>
               <a:t>)</a:t>
             </a:r>
-            <a:endParaRPr lang="ru-RU" b="1" dirty="0" smtClean="0">
+            <a:endParaRPr lang="ru-RU" dirty="0" smtClean="0">
               <a:latin typeface="Calibri" panose="020F0502020204030204" pitchFamily="34" charset="0"/>
               <a:cs typeface="Calibri" panose="020F0502020204030204" pitchFamily="34" charset="0"/>
             </a:endParaRPr>
@@ -14327,17 +14433,7 @@
                 <a:latin typeface="Calibri"/>
                 <a:ea typeface="Calibri"/>
               </a:rPr>
-              <a:t>азнице между процедурным и структурным </a:t>
-            </a:r>
-            <a:r>
-              <a:rPr lang="ru-RU" sz="1400" spc="-1" dirty="0" smtClean="0">
-                <a:solidFill>
-                  <a:srgbClr val="000000"/>
-                </a:solidFill>
-                <a:latin typeface="Calibri"/>
-                <a:ea typeface="Calibri"/>
-              </a:rPr>
-              <a:t>программированием</a:t>
+              <a:t>азнице между процедурным и структурным программированием</a:t>
             </a:r>
             <a:endParaRPr lang="ru-RU" sz="1400" b="0" strike="noStrike" spc="-1" dirty="0">
               <a:latin typeface="Arial"/>

--- a/lessons_I/9-11/les_7/les_7_class_1.pptx
+++ b/lessons_I/9-11/les_7/les_7_class_1.pptx
@@ -232,7 +232,7 @@
           <a:p>
             <a:fld id="{D1E6144D-2DF5-4C90-871D-7CFEB4D0C6A7}" type="datetimeFigureOut">
               <a:rPr lang="en-US" smtClean="0"/>
-              <a:t>10/15/2019</a:t>
+              <a:t>10/17/2019</a:t>
             </a:fld>
             <a:endParaRPr lang="en-US"/>
           </a:p>
@@ -5415,8 +5415,9 @@
               </a:lnSpc>
             </a:pPr>
             <a:r>
-              <a:rPr lang="ru-RU" sz="2200" spc="-1" dirty="0" smtClean="0">
-                <a:latin typeface="Arial"/>
+              <a:rPr lang="ru-RU" sz="2400" spc="-1" dirty="0" smtClean="0">
+                <a:latin typeface="Calibri" panose="020F0502020204030204" pitchFamily="34" charset="0"/>
+                <a:cs typeface="Calibri" panose="020F0502020204030204" pitchFamily="34" charset="0"/>
               </a:rPr>
               <a:t>Объектно-ориентированное программирование.</a:t>
             </a:r>
@@ -5428,13 +5429,15 @@
               </a:lnSpc>
             </a:pPr>
             <a:r>
-              <a:rPr lang="ru-RU" sz="2200" b="0" strike="noStrike" spc="-1" dirty="0" smtClean="0">
-                <a:latin typeface="Arial"/>
+              <a:rPr lang="ru-RU" sz="2400" b="0" strike="noStrike" spc="-1" dirty="0" smtClean="0">
+                <a:latin typeface="Calibri" panose="020F0502020204030204" pitchFamily="34" charset="0"/>
+                <a:cs typeface="Calibri" panose="020F0502020204030204" pitchFamily="34" charset="0"/>
               </a:rPr>
               <a:t>Классы в С++.</a:t>
             </a:r>
-            <a:endParaRPr lang="ru-RU" sz="2200" b="0" strike="noStrike" spc="-1" dirty="0">
-              <a:latin typeface="Arial"/>
+            <a:endParaRPr lang="ru-RU" sz="2400" b="0" strike="noStrike" spc="-1" dirty="0">
+              <a:latin typeface="Calibri" panose="020F0502020204030204" pitchFamily="34" charset="0"/>
+              <a:cs typeface="Calibri" panose="020F0502020204030204" pitchFamily="34" charset="0"/>
             </a:endParaRPr>
           </a:p>
         </p:txBody>
@@ -10979,51 +10982,30 @@
                 <a:latin typeface="Calibri" panose="020F0502020204030204" pitchFamily="34" charset="0"/>
                 <a:cs typeface="Calibri" panose="020F0502020204030204" pitchFamily="34" charset="0"/>
               </a:rPr>
-              <a:t>Что если названия скрытых полей класса совпадут с аргументами, передаваемыми в конструктор</a:t>
-            </a:r>
+              <a:t>Что если названия скрытых полей класса совпадут с аргументами, передаваемыми в конструктор?</a:t>
+            </a:r>
+            <a:endParaRPr lang="ru-RU" dirty="0">
+              <a:latin typeface="Calibri" panose="020F0502020204030204" pitchFamily="34" charset="0"/>
+              <a:cs typeface="Calibri" panose="020F0502020204030204" pitchFamily="34" charset="0"/>
+            </a:endParaRPr>
+          </a:p>
+          <a:p>
+            <a:endParaRPr lang="ru-RU" dirty="0">
+              <a:latin typeface="Calibri" panose="020F0502020204030204" pitchFamily="34" charset="0"/>
+              <a:cs typeface="Calibri" panose="020F0502020204030204" pitchFamily="34" charset="0"/>
+            </a:endParaRPr>
+          </a:p>
+          <a:p>
+            <a:pPr marL="285750" indent="-285750">
+              <a:buFont typeface="Arial" panose="020B0604020202020204" pitchFamily="34" charset="0"/>
+              <a:buChar char="•"/>
+            </a:pPr>
             <a:r>
               <a:rPr lang="ru-RU" dirty="0" smtClean="0">
                 <a:latin typeface="Calibri" panose="020F0502020204030204" pitchFamily="34" charset="0"/>
                 <a:cs typeface="Calibri" panose="020F0502020204030204" pitchFamily="34" charset="0"/>
               </a:rPr>
-              <a:t>?</a:t>
-            </a:r>
-            <a:endParaRPr lang="ru-RU" dirty="0">
-              <a:latin typeface="Calibri" panose="020F0502020204030204" pitchFamily="34" charset="0"/>
-              <a:cs typeface="Calibri" panose="020F0502020204030204" pitchFamily="34" charset="0"/>
-            </a:endParaRPr>
-          </a:p>
-          <a:p>
-            <a:endParaRPr lang="ru-RU" dirty="0">
-              <a:latin typeface="Calibri" panose="020F0502020204030204" pitchFamily="34" charset="0"/>
-              <a:cs typeface="Calibri" panose="020F0502020204030204" pitchFamily="34" charset="0"/>
-            </a:endParaRPr>
-          </a:p>
-          <a:p>
-            <a:pPr marL="285750" indent="-285750">
-              <a:buFont typeface="Arial" panose="020B0604020202020204" pitchFamily="34" charset="0"/>
-              <a:buChar char="•"/>
-            </a:pPr>
-            <a:r>
-              <a:rPr lang="ru-RU" dirty="0" smtClean="0">
-                <a:latin typeface="Calibri" panose="020F0502020204030204" pitchFamily="34" charset="0"/>
-                <a:cs typeface="Calibri" panose="020F0502020204030204" pitchFamily="34" charset="0"/>
-              </a:rPr>
-              <a:t>Взаимодействие двух объектов одного класса (например, </a:t>
-            </a:r>
-            <a:r>
-              <a:rPr lang="ru-RU" dirty="0" smtClean="0">
-                <a:latin typeface="Calibri" panose="020F0502020204030204" pitchFamily="34" charset="0"/>
-                <a:cs typeface="Calibri" panose="020F0502020204030204" pitchFamily="34" charset="0"/>
-              </a:rPr>
-              <a:t>сложени</a:t>
-            </a:r>
-            <a:r>
-              <a:rPr lang="ru-RU" dirty="0" smtClean="0">
-                <a:latin typeface="Calibri" panose="020F0502020204030204" pitchFamily="34" charset="0"/>
-                <a:cs typeface="Calibri" panose="020F0502020204030204" pitchFamily="34" charset="0"/>
-              </a:rPr>
-              <a:t>е)</a:t>
+              <a:t>Взаимодействие двух объектов одного класса (например, сложение)</a:t>
             </a:r>
             <a:endParaRPr lang="en-US" dirty="0" smtClean="0">
               <a:latin typeface="Calibri" panose="020F0502020204030204" pitchFamily="34" charset="0"/>
@@ -12881,53 +12863,88 @@
                 <a:latin typeface="Calibri" panose="020F0502020204030204" pitchFamily="34" charset="0"/>
                 <a:cs typeface="Calibri" panose="020F0502020204030204" pitchFamily="34" charset="0"/>
               </a:rPr>
-              <a:t>отображение дроби на экран в обычном виде и </a:t>
-            </a:r>
+              <a:t>отображение дроби на экран в обычном виде и десятичном</a:t>
+            </a:r>
+            <a:endParaRPr lang="en-US" dirty="0">
+              <a:latin typeface="Calibri" panose="020F0502020204030204" pitchFamily="34" charset="0"/>
+              <a:cs typeface="Calibri" panose="020F0502020204030204" pitchFamily="34" charset="0"/>
+            </a:endParaRPr>
+          </a:p>
+          <a:p>
+            <a:endParaRPr lang="en-US" dirty="0">
+              <a:latin typeface="Calibri" panose="020F0502020204030204" pitchFamily="34" charset="0"/>
+              <a:cs typeface="Calibri" panose="020F0502020204030204" pitchFamily="34" charset="0"/>
+            </a:endParaRPr>
+          </a:p>
+          <a:p>
+            <a:r>
+              <a:rPr lang="en-US" dirty="0" smtClean="0">
+                <a:latin typeface="Calibri" panose="020F0502020204030204" pitchFamily="34" charset="0"/>
+                <a:cs typeface="Calibri" panose="020F0502020204030204" pitchFamily="34" charset="0"/>
+              </a:rPr>
+              <a:t>*</a:t>
+            </a:r>
+            <a:endParaRPr lang="ru-RU" dirty="0">
+              <a:latin typeface="Calibri" panose="020F0502020204030204" pitchFamily="34" charset="0"/>
+              <a:cs typeface="Calibri" panose="020F0502020204030204" pitchFamily="34" charset="0"/>
+            </a:endParaRPr>
+          </a:p>
+          <a:p>
             <a:r>
               <a:rPr lang="ru-RU" dirty="0" smtClean="0">
                 <a:latin typeface="Calibri" panose="020F0502020204030204" pitchFamily="34" charset="0"/>
                 <a:cs typeface="Calibri" panose="020F0502020204030204" pitchFamily="34" charset="0"/>
               </a:rPr>
-              <a:t>десятичном</a:t>
-            </a:r>
-            <a:endParaRPr lang="en-US" dirty="0">
-              <a:latin typeface="Calibri" panose="020F0502020204030204" pitchFamily="34" charset="0"/>
-              <a:cs typeface="Calibri" panose="020F0502020204030204" pitchFamily="34" charset="0"/>
-            </a:endParaRPr>
-          </a:p>
-          <a:p>
-            <a:endParaRPr lang="en-US" dirty="0">
-              <a:latin typeface="Calibri" panose="020F0502020204030204" pitchFamily="34" charset="0"/>
-              <a:cs typeface="Calibri" panose="020F0502020204030204" pitchFamily="34" charset="0"/>
-            </a:endParaRPr>
-          </a:p>
-          <a:p>
+              <a:t>Сумма, разность, умножение и деление дробей (названия методов: </a:t>
+            </a:r>
             <a:r>
               <a:rPr lang="en-US" dirty="0" smtClean="0">
                 <a:latin typeface="Calibri" panose="020F0502020204030204" pitchFamily="34" charset="0"/>
                 <a:cs typeface="Calibri" panose="020F0502020204030204" pitchFamily="34" charset="0"/>
               </a:rPr>
-              <a:t>*</a:t>
-            </a:r>
-            <a:endParaRPr lang="ru-RU" dirty="0">
-              <a:latin typeface="Calibri" panose="020F0502020204030204" pitchFamily="34" charset="0"/>
-              <a:cs typeface="Calibri" panose="020F0502020204030204" pitchFamily="34" charset="0"/>
-            </a:endParaRPr>
-          </a:p>
-          <a:p>
+              <a:t>operator+, operator-, operator*, operator/</a:t>
+            </a:r>
             <a:r>
               <a:rPr lang="ru-RU" dirty="0" smtClean="0">
                 <a:latin typeface="Calibri" panose="020F0502020204030204" pitchFamily="34" charset="0"/>
                 <a:cs typeface="Calibri" panose="020F0502020204030204" pitchFamily="34" charset="0"/>
               </a:rPr>
-              <a:t>Сумма, разность, умножение и деление дробей (названия методов: </a:t>
+              <a:t>)</a:t>
+            </a:r>
+            <a:endParaRPr lang="en-US" dirty="0" smtClean="0">
+              <a:latin typeface="Calibri" panose="020F0502020204030204" pitchFamily="34" charset="0"/>
+              <a:cs typeface="Calibri" panose="020F0502020204030204" pitchFamily="34" charset="0"/>
+            </a:endParaRPr>
+          </a:p>
+          <a:p>
+            <a:endParaRPr lang="en-US" b="1" dirty="0">
+              <a:latin typeface="Calibri" panose="020F0502020204030204" pitchFamily="34" charset="0"/>
+              <a:cs typeface="Calibri" panose="020F0502020204030204" pitchFamily="34" charset="0"/>
+            </a:endParaRPr>
+          </a:p>
+          <a:p>
+            <a:r>
+              <a:rPr lang="en-US" b="1" dirty="0" smtClean="0">
+                <a:latin typeface="Calibri" panose="020F0502020204030204" pitchFamily="34" charset="0"/>
+                <a:cs typeface="Calibri" panose="020F0502020204030204" pitchFamily="34" charset="0"/>
+              </a:rPr>
+              <a:t>**</a:t>
+            </a:r>
+          </a:p>
+          <a:p>
+            <a:r>
+              <a:rPr lang="ru-RU" dirty="0" smtClean="0">
+                <a:latin typeface="Calibri" panose="020F0502020204030204" pitchFamily="34" charset="0"/>
+                <a:cs typeface="Calibri" panose="020F0502020204030204" pitchFamily="34" charset="0"/>
+              </a:rPr>
+              <a:t>Упрощение дробей (25/100 –</a:t>
             </a:r>
             <a:r>
               <a:rPr lang="en-US" dirty="0" smtClean="0">
                 <a:latin typeface="Calibri" panose="020F0502020204030204" pitchFamily="34" charset="0"/>
                 <a:cs typeface="Calibri" panose="020F0502020204030204" pitchFamily="34" charset="0"/>
               </a:rPr>
-              <a:t>operator+, operator-, operator*, operator/</a:t>
+              <a:t>&gt; 1/4</a:t>
             </a:r>
             <a:r>
               <a:rPr lang="ru-RU" dirty="0" smtClean="0">
@@ -12936,59 +12953,6 @@
               </a:rPr>
               <a:t>)</a:t>
             </a:r>
-            <a:endParaRPr lang="en-US" dirty="0" smtClean="0">
-              <a:latin typeface="Calibri" panose="020F0502020204030204" pitchFamily="34" charset="0"/>
-              <a:cs typeface="Calibri" panose="020F0502020204030204" pitchFamily="34" charset="0"/>
-            </a:endParaRPr>
-          </a:p>
-          <a:p>
-            <a:endParaRPr lang="en-US" b="1" dirty="0">
-              <a:latin typeface="Calibri" panose="020F0502020204030204" pitchFamily="34" charset="0"/>
-              <a:cs typeface="Calibri" panose="020F0502020204030204" pitchFamily="34" charset="0"/>
-            </a:endParaRPr>
-          </a:p>
-          <a:p>
-            <a:r>
-              <a:rPr lang="en-US" b="1" dirty="0" smtClean="0">
-                <a:latin typeface="Calibri" panose="020F0502020204030204" pitchFamily="34" charset="0"/>
-                <a:cs typeface="Calibri" panose="020F0502020204030204" pitchFamily="34" charset="0"/>
-              </a:rPr>
-              <a:t>**</a:t>
-            </a:r>
-          </a:p>
-          <a:p>
-            <a:r>
-              <a:rPr lang="ru-RU" dirty="0" smtClean="0">
-                <a:latin typeface="Calibri" panose="020F0502020204030204" pitchFamily="34" charset="0"/>
-                <a:cs typeface="Calibri" panose="020F0502020204030204" pitchFamily="34" charset="0"/>
-              </a:rPr>
-              <a:t>Упрощени</a:t>
-            </a:r>
-            <a:r>
-              <a:rPr lang="ru-RU" dirty="0" smtClean="0">
-                <a:latin typeface="Calibri" panose="020F0502020204030204" pitchFamily="34" charset="0"/>
-                <a:cs typeface="Calibri" panose="020F0502020204030204" pitchFamily="34" charset="0"/>
-              </a:rPr>
-              <a:t>е дробей (25/100 –</a:t>
-            </a:r>
-            <a:r>
-              <a:rPr lang="en-US" dirty="0" smtClean="0">
-                <a:latin typeface="Calibri" panose="020F0502020204030204" pitchFamily="34" charset="0"/>
-                <a:cs typeface="Calibri" panose="020F0502020204030204" pitchFamily="34" charset="0"/>
-              </a:rPr>
-              <a:t>&gt; 1/4</a:t>
-            </a:r>
-            <a:r>
-              <a:rPr lang="ru-RU" dirty="0" smtClean="0">
-                <a:latin typeface="Calibri" panose="020F0502020204030204" pitchFamily="34" charset="0"/>
-                <a:cs typeface="Calibri" panose="020F0502020204030204" pitchFamily="34" charset="0"/>
-              </a:rPr>
-              <a:t>)</a:t>
-            </a:r>
-            <a:endParaRPr lang="ru-RU" dirty="0" smtClean="0">
-              <a:latin typeface="Calibri" panose="020F0502020204030204" pitchFamily="34" charset="0"/>
-              <a:cs typeface="Calibri" panose="020F0502020204030204" pitchFamily="34" charset="0"/>
-            </a:endParaRPr>
           </a:p>
           <a:p>
             <a:endParaRPr lang="ru-RU" dirty="0" smtClean="0">

--- a/lessons_I/9-11/les_7/les_7_class_1.pptx
+++ b/lessons_I/9-11/les_7/les_7_class_1.pptx
@@ -232,7 +232,7 @@
           <a:p>
             <a:fld id="{D1E6144D-2DF5-4C90-871D-7CFEB4D0C6A7}" type="datetimeFigureOut">
               <a:rPr lang="en-US" smtClean="0"/>
-              <a:t>10/17/2019</a:t>
+              <a:t>10/19/2019</a:t>
             </a:fld>
             <a:endParaRPr lang="en-US"/>
           </a:p>

--- a/lessons_I/9-11/les_7/les_7_class_1.pptx
+++ b/lessons_I/9-11/les_7/les_7_class_1.pptx
@@ -260,8 +260,11 @@
     </a:lvl9pPr>
   </p:defaultTextStyle>
   <p:extLst>
+    <p:ext uri="{EFAFB233-063F-42B5-8137-9DF3F51BA10A}">
+      <p15:sldGuideLst xmlns:p15="http://schemas.microsoft.com/office/powerpoint/2012/main"/>
+    </p:ext>
     <p:ext uri="http://customooxmlschemas.google.com/">
-      <go:slidesCustomData xmlns:go="http://customooxmlschemas.google.com/" xmlns:p15="http://schemas.microsoft.com/office/powerpoint/2012/main" xmlns:p14="http://schemas.microsoft.com/office/powerpoint/2010/main" xmlns:com="http://schemas.openxmlformats.org/drawingml/2006/compatibility" xmlns:pvml="urn:schemas-microsoft-com:office:powerpoint" xmlns:v="urn:schemas-microsoft-com:vml" xmlns:o="urn:schemas-microsoft-com:office:office" xmlns:dgm="http://schemas.openxmlformats.org/drawingml/2006/diagram" xmlns:c="http://schemas.openxmlformats.org/drawingml/2006/chart" xmlns:mv="urn:schemas-microsoft-com:mac:vml" xmlns:mc="http://schemas.openxmlformats.org/markup-compatibility/2006" xmlns="" r:id="rId27" roundtripDataSignature="AMtx7mhAEHH4xjz3RDzIj8OB8/vcJ8iT8w=="/>
+      <go:slidesCustomData xmlns="" xmlns:mc="http://schemas.openxmlformats.org/markup-compatibility/2006" xmlns:mv="urn:schemas-microsoft-com:mac:vml" xmlns:c="http://schemas.openxmlformats.org/drawingml/2006/chart" xmlns:dgm="http://schemas.openxmlformats.org/drawingml/2006/diagram" xmlns:o="urn:schemas-microsoft-com:office:office" xmlns:v="urn:schemas-microsoft-com:vml" xmlns:pvml="urn:schemas-microsoft-com:office:powerpoint" xmlns:com="http://schemas.openxmlformats.org/drawingml/2006/compatibility" xmlns:p14="http://schemas.microsoft.com/office/powerpoint/2010/main" xmlns:p15="http://schemas.microsoft.com/office/powerpoint/2012/main" xmlns:go="http://customooxmlschemas.google.com/" r:id="rId27" roundtripDataSignature="AMtx7mhAEHH4xjz3RDzIj8OB8/vcJ8iT8w=="/>
     </p:ext>
   </p:extLst>
 </p:presentation>
@@ -283,7 +286,7 @@
         <p15:threadingInfo xmlns:p15="http://schemas.microsoft.com/office/powerpoint/2012/main" timeZoneBias="0"/>
       </p:ext>
       <p:ext uri="http://customooxmlschemas.google.com/">
-        <go:slidesCustomData xmlns:go="http://customooxmlschemas.google.com/" xmlns:p15="http://schemas.microsoft.com/office/powerpoint/2012/main" xmlns:p14="http://schemas.microsoft.com/office/powerpoint/2010/main" xmlns:com="http://schemas.openxmlformats.org/drawingml/2006/compatibility" xmlns:pvml="urn:schemas-microsoft-com:office:powerpoint" xmlns:v="urn:schemas-microsoft-com:vml" xmlns:o="urn:schemas-microsoft-com:office:office" xmlns:dgm="http://schemas.openxmlformats.org/drawingml/2006/diagram" xmlns:c="http://schemas.openxmlformats.org/drawingml/2006/chart" xmlns:mv="urn:schemas-microsoft-com:mac:vml" xmlns:mc="http://schemas.openxmlformats.org/markup-compatibility/2006" xmlns="" commentPostId="AAAAD3kB57U"/>
+        <go:slidesCustomData xmlns="" xmlns:mc="http://schemas.openxmlformats.org/markup-compatibility/2006" xmlns:mv="urn:schemas-microsoft-com:mac:vml" xmlns:c="http://schemas.openxmlformats.org/drawingml/2006/chart" xmlns:dgm="http://schemas.openxmlformats.org/drawingml/2006/diagram" xmlns:o="urn:schemas-microsoft-com:office:office" xmlns:v="urn:schemas-microsoft-com:vml" xmlns:pvml="urn:schemas-microsoft-com:office:powerpoint" xmlns:com="http://schemas.openxmlformats.org/drawingml/2006/compatibility" xmlns:p14="http://schemas.microsoft.com/office/powerpoint/2010/main" xmlns:p15="http://schemas.microsoft.com/office/powerpoint/2012/main" xmlns:go="http://customooxmlschemas.google.com/" commentPostId="AAAAD3kB57U"/>
       </p:ext>
     </p:extLst>
   </p:cm>
@@ -19519,7 +19522,7 @@
               <a:buNone/>
             </a:pPr>
             <a:r>
-              <a:rPr lang="ru-RU" sz="2400" b="0" i="0" u="none" strike="noStrike" cap="none">
+              <a:rPr lang="ru-RU" sz="2400" b="0" i="0" u="none" strike="noStrike" cap="none" dirty="0">
                 <a:solidFill>
                   <a:schemeClr val="dk1"/>
                 </a:solidFill>
@@ -19530,7 +19533,7 @@
               </a:rPr>
               <a:t>Объектно-ориентированное программирование.</a:t>
             </a:r>
-            <a:endParaRPr/>
+            <a:endParaRPr dirty="0"/>
           </a:p>
           <a:p>
             <a:pPr marL="0" marR="0" lvl="0" indent="0" algn="ctr" rtl="0">
@@ -19546,7 +19549,7 @@
               <a:buNone/>
             </a:pPr>
             <a:r>
-              <a:rPr lang="ru-RU" sz="2400" b="0" i="0" u="none" strike="noStrike" cap="none">
+              <a:rPr lang="ru-RU" sz="2400" b="0" i="0" u="none" strike="noStrike" cap="none" dirty="0">
                 <a:solidFill>
                   <a:schemeClr val="dk1"/>
                 </a:solidFill>
@@ -19557,7 +19560,7 @@
               </a:rPr>
               <a:t>Классы в С++.</a:t>
             </a:r>
-            <a:endParaRPr sz="2400" b="0" i="0" u="none" strike="noStrike" cap="none">
+            <a:endParaRPr sz="2400" b="0" i="0" u="none" strike="noStrike" cap="none" dirty="0">
               <a:solidFill>
                 <a:schemeClr val="dk1"/>
               </a:solidFill>
@@ -20522,7 +20525,7 @@
               <a:buNone/>
             </a:pPr>
             <a:r>
-              <a:rPr lang="ru-RU" sz="1800" b="0" i="0" u="none" strike="noStrike" cap="none">
+              <a:rPr lang="ru-RU" sz="1800" b="0" i="0" u="none" strike="noStrike" cap="none" dirty="0">
                 <a:solidFill>
                   <a:schemeClr val="dk1"/>
                 </a:solidFill>
@@ -20533,7 +20536,7 @@
               </a:rPr>
               <a:t>В ООП существует три основных принципа:</a:t>
             </a:r>
-            <a:endParaRPr/>
+            <a:endParaRPr dirty="0"/>
           </a:p>
           <a:p>
             <a:pPr marL="0" marR="0" lvl="0" indent="0" algn="l" rtl="0">
@@ -20545,7 +20548,7 @@
               </a:spcAft>
               <a:buNone/>
             </a:pPr>
-            <a:endParaRPr sz="1800">
+            <a:endParaRPr sz="1800" dirty="0">
               <a:solidFill>
                 <a:schemeClr val="dk1"/>
               </a:solidFill>
@@ -20571,7 +20574,7 @@
               <a:buChar char="•"/>
             </a:pPr>
             <a:r>
-              <a:rPr lang="ru-RU" sz="1800" b="1">
+              <a:rPr lang="ru-RU" sz="1800" b="1" dirty="0">
                 <a:solidFill>
                   <a:schemeClr val="dk1"/>
                 </a:solidFill>
@@ -20583,7 +20586,7 @@
               <a:t>Инкапсуляция</a:t>
             </a:r>
             <a:r>
-              <a:rPr lang="ru-RU" sz="1800">
+              <a:rPr lang="ru-RU" sz="1800" dirty="0">
                 <a:solidFill>
                   <a:schemeClr val="dk1"/>
                 </a:solidFill>
@@ -20594,7 +20597,7 @@
               </a:rPr>
               <a:t> — это свойство, позволяющее объединить в классе и данные, и методы, работающие с ними и скрыть детали реализации от пользователя.</a:t>
             </a:r>
-            <a:endParaRPr/>
+            <a:endParaRPr dirty="0"/>
           </a:p>
           <a:p>
             <a:pPr marL="285750" marR="0" lvl="0" indent="-285750" algn="l" rtl="0">
@@ -20612,7 +20615,7 @@
               <a:buChar char="•"/>
             </a:pPr>
             <a:r>
-              <a:rPr lang="ru-RU" sz="1800" b="1">
+              <a:rPr lang="ru-RU" sz="1800" b="1" dirty="0">
                 <a:solidFill>
                   <a:schemeClr val="dk1"/>
                 </a:solidFill>
@@ -20624,7 +20627,7 @@
               <a:t>Наследование</a:t>
             </a:r>
             <a:r>
-              <a:rPr lang="ru-RU" sz="1800">
+              <a:rPr lang="ru-RU" sz="1800" dirty="0">
                 <a:solidFill>
                   <a:schemeClr val="dk1"/>
                 </a:solidFill>
@@ -20635,7 +20638,7 @@
               </a:rPr>
               <a:t> — это свойство, позволяющее создать новый класс-потомок на основе уже существующего.</a:t>
             </a:r>
-            <a:endParaRPr sz="1800">
+            <a:endParaRPr sz="1800" dirty="0">
               <a:solidFill>
                 <a:schemeClr val="dk1"/>
               </a:solidFill>
@@ -20661,7 +20664,7 @@
               <a:buChar char="•"/>
             </a:pPr>
             <a:r>
-              <a:rPr lang="ru-RU" sz="1800" b="1">
+              <a:rPr lang="ru-RU" sz="1800" b="1" dirty="0">
                 <a:solidFill>
                   <a:schemeClr val="dk1"/>
                 </a:solidFill>
@@ -20673,7 +20676,7 @@
               <a:t>Полиморфизм</a:t>
             </a:r>
             <a:r>
-              <a:rPr lang="ru-RU" sz="1800">
+              <a:rPr lang="ru-RU" sz="1800" dirty="0">
                 <a:solidFill>
                   <a:schemeClr val="dk1"/>
                 </a:solidFill>
@@ -20684,7 +20687,7 @@
               </a:rPr>
               <a:t> — свойство классов, позволяющее использовать объекты классов с одинаковым интерфейсом.</a:t>
             </a:r>
-            <a:endParaRPr sz="1800">
+            <a:endParaRPr sz="1800" dirty="0">
               <a:solidFill>
                 <a:schemeClr val="dk1"/>
               </a:solidFill>
@@ -20707,7 +20710,7 @@
               </a:spcAft>
               <a:buNone/>
             </a:pPr>
-            <a:endParaRPr sz="1800" b="0" strike="noStrike">
+            <a:endParaRPr sz="1800" b="0" strike="noStrike" dirty="0">
               <a:solidFill>
                 <a:schemeClr val="dk1"/>
               </a:solidFill>
@@ -20788,12 +20791,39 @@
       </p:grpSpPr>
       <p:pic>
         <p:nvPicPr>
+          <p:cNvPr id="291" name="Google Shape;291;p11"/>
+          <p:cNvPicPr preferRelativeResize="0"/>
+          <p:nvPr/>
+        </p:nvPicPr>
+        <p:blipFill rotWithShape="1">
+          <a:blip r:embed="rId3">
+            <a:alphaModFix/>
+          </a:blip>
+          <a:srcRect/>
+          <a:stretch/>
+        </p:blipFill>
+        <p:spPr>
+          <a:xfrm>
+            <a:off x="968548" y="4636744"/>
+            <a:ext cx="7568252" cy="1993016"/>
+          </a:xfrm>
+          <a:prstGeom prst="rect">
+            <a:avLst/>
+          </a:prstGeom>
+          <a:noFill/>
+          <a:ln>
+            <a:noFill/>
+          </a:ln>
+        </p:spPr>
+      </p:pic>
+      <p:pic>
+        <p:nvPicPr>
           <p:cNvPr id="278" name="Google Shape;278;p11"/>
           <p:cNvPicPr preferRelativeResize="0"/>
           <p:nvPr/>
         </p:nvPicPr>
         <p:blipFill rotWithShape="1">
-          <a:blip r:embed="rId3">
+          <a:blip r:embed="rId4">
             <a:alphaModFix/>
           </a:blip>
           <a:srcRect/>
@@ -21065,7 +21095,7 @@
           <p:nvPr/>
         </p:nvPicPr>
         <p:blipFill rotWithShape="1">
-          <a:blip r:embed="rId4">
+          <a:blip r:embed="rId5">
             <a:alphaModFix/>
           </a:blip>
           <a:srcRect/>
@@ -21092,7 +21122,7 @@
           <p:nvPr/>
         </p:nvPicPr>
         <p:blipFill rotWithShape="1">
-          <a:blip r:embed="rId5">
+          <a:blip r:embed="rId6">
             <a:alphaModFix/>
           </a:blip>
           <a:srcRect/>
@@ -21119,7 +21149,7 @@
           <p:nvPr/>
         </p:nvPicPr>
         <p:blipFill rotWithShape="1">
-          <a:blip r:embed="rId4">
+          <a:blip r:embed="rId5">
             <a:alphaModFix/>
           </a:blip>
           <a:srcRect/>
@@ -21207,7 +21237,7 @@
           <p:nvPr/>
         </p:nvPicPr>
         <p:blipFill rotWithShape="1">
-          <a:blip r:embed="rId6">
+          <a:blip r:embed="rId7">
             <a:alphaModFix/>
           </a:blip>
           <a:srcRect/>
@@ -21234,7 +21264,7 @@
           <p:nvPr/>
         </p:nvPicPr>
         <p:blipFill rotWithShape="1">
-          <a:blip r:embed="rId7">
+          <a:blip r:embed="rId8">
             <a:alphaModFix/>
           </a:blip>
           <a:srcRect/>
@@ -21440,17 +21470,9 @@
           </a:bodyPr>
           <a:lstStyle/>
           <a:p>
-            <a:pPr marL="0" marR="0" lvl="0" indent="0" algn="l" rtl="0">
-              <a:spcBef>
-                <a:spcPts val="0"/>
-              </a:spcBef>
-              <a:spcAft>
-                <a:spcPts val="0"/>
-              </a:spcAft>
-              <a:buNone/>
-            </a:pPr>
+            <a:pPr lvl="0"/>
             <a:r>
-              <a:rPr lang="ru-RU" sz="1800">
+              <a:rPr lang="ru-RU" sz="1800" b="1" dirty="0">
                 <a:solidFill>
                   <a:schemeClr val="dk1"/>
                 </a:solidFill>
@@ -21459,39 +21481,148 @@
                 <a:cs typeface="Calibri"/>
                 <a:sym typeface="Calibri"/>
               </a:rPr>
-              <a:t>Объявление класса начинается с зарезервированного ключевого слова class, после  которого пишется имя класса. В фигурных скобочках объявляется тело класса, причём после закрывающейся скобочки обязательно нужно ставить точку с запятой. В теле класса объявляются две метки спецификации доступа, после каждой метки нужно обязательно ставить двоеточие. Все методы и свойства класса, объявленные после спецификатора доступа private будут доступны только внутри класса. Методы и свойства класса, объявленные после спецификатора доступа  public будут доступны другим функциям и объектам в программе (т е вне определения класса).</a:t>
+              <a:t>Объявление класса</a:t>
             </a:r>
-            <a:endParaRPr/>
+            <a:endParaRPr lang="ru-RU" sz="1800" b="1" dirty="0" smtClean="0">
+              <a:solidFill>
+                <a:schemeClr val="dk1"/>
+              </a:solidFill>
+              <a:latin typeface="Calibri"/>
+              <a:ea typeface="Calibri"/>
+              <a:cs typeface="Calibri"/>
+              <a:sym typeface="Calibri"/>
+            </a:endParaRPr>
+          </a:p>
+          <a:p>
+            <a:pPr marL="0" marR="0" lvl="0" indent="0" algn="l" rtl="0">
+              <a:spcBef>
+                <a:spcPts val="0"/>
+              </a:spcBef>
+              <a:spcAft>
+                <a:spcPts val="0"/>
+              </a:spcAft>
+              <a:buNone/>
+            </a:pPr>
+            <a:endParaRPr lang="ru-RU" sz="1800" dirty="0">
+              <a:solidFill>
+                <a:schemeClr val="dk1"/>
+              </a:solidFill>
+              <a:latin typeface="Calibri"/>
+              <a:ea typeface="Calibri"/>
+              <a:cs typeface="Calibri"/>
+              <a:sym typeface="Calibri"/>
+            </a:endParaRPr>
+          </a:p>
+          <a:p>
+            <a:pPr marL="0" marR="0" lvl="0" indent="0" algn="l" rtl="0">
+              <a:spcBef>
+                <a:spcPts val="0"/>
+              </a:spcBef>
+              <a:spcAft>
+                <a:spcPts val="0"/>
+              </a:spcAft>
+              <a:buNone/>
+            </a:pPr>
+            <a:r>
+              <a:rPr lang="ru-RU" sz="1800" dirty="0" smtClean="0">
+                <a:solidFill>
+                  <a:schemeClr val="dk1"/>
+                </a:solidFill>
+                <a:latin typeface="Calibri"/>
+                <a:ea typeface="Calibri"/>
+                <a:cs typeface="Calibri"/>
+                <a:sym typeface="Calibri"/>
+              </a:rPr>
+              <a:t>Объявление </a:t>
+            </a:r>
+            <a:r>
+              <a:rPr lang="ru-RU" sz="1800" dirty="0">
+                <a:solidFill>
+                  <a:schemeClr val="dk1"/>
+                </a:solidFill>
+                <a:latin typeface="Calibri"/>
+                <a:ea typeface="Calibri"/>
+                <a:cs typeface="Calibri"/>
+                <a:sym typeface="Calibri"/>
+              </a:rPr>
+              <a:t>класса начинается с зарезервированного ключевого слова </a:t>
+            </a:r>
+            <a:r>
+              <a:rPr lang="ru-RU" sz="1800" dirty="0" err="1">
+                <a:solidFill>
+                  <a:schemeClr val="dk1"/>
+                </a:solidFill>
+                <a:latin typeface="Calibri"/>
+                <a:ea typeface="Calibri"/>
+                <a:cs typeface="Calibri"/>
+                <a:sym typeface="Calibri"/>
+              </a:rPr>
+              <a:t>class</a:t>
+            </a:r>
+            <a:r>
+              <a:rPr lang="ru-RU" sz="1800" dirty="0">
+                <a:solidFill>
+                  <a:schemeClr val="dk1"/>
+                </a:solidFill>
+                <a:latin typeface="Calibri"/>
+                <a:ea typeface="Calibri"/>
+                <a:cs typeface="Calibri"/>
+                <a:sym typeface="Calibri"/>
+              </a:rPr>
+              <a:t>, после  которого пишется имя класса. В фигурных скобочках объявляется тело класса, причём после закрывающейся скобочки обязательно нужно ставить точку с запятой. В теле класса объявляются две метки спецификации доступа, после каждой метки нужно обязательно ставить двоеточие. Все методы и свойства класса, объявленные после спецификатора доступа </a:t>
+            </a:r>
+            <a:r>
+              <a:rPr lang="ru-RU" sz="1800" dirty="0" err="1">
+                <a:solidFill>
+                  <a:schemeClr val="dk1"/>
+                </a:solidFill>
+                <a:latin typeface="Calibri"/>
+                <a:ea typeface="Calibri"/>
+                <a:cs typeface="Calibri"/>
+                <a:sym typeface="Calibri"/>
+              </a:rPr>
+              <a:t>private</a:t>
+            </a:r>
+            <a:r>
+              <a:rPr lang="ru-RU" sz="1800" dirty="0">
+                <a:solidFill>
+                  <a:schemeClr val="dk1"/>
+                </a:solidFill>
+                <a:latin typeface="Calibri"/>
+                <a:ea typeface="Calibri"/>
+                <a:cs typeface="Calibri"/>
+                <a:sym typeface="Calibri"/>
+              </a:rPr>
+              <a:t> будут доступны только внутри класса. Методы и свойства класса, объявленные после спецификатора доступа  </a:t>
+            </a:r>
+            <a:r>
+              <a:rPr lang="ru-RU" sz="1800" dirty="0" err="1">
+                <a:solidFill>
+                  <a:schemeClr val="dk1"/>
+                </a:solidFill>
+                <a:latin typeface="Calibri"/>
+                <a:ea typeface="Calibri"/>
+                <a:cs typeface="Calibri"/>
+                <a:sym typeface="Calibri"/>
+              </a:rPr>
+              <a:t>public</a:t>
+            </a:r>
+            <a:r>
+              <a:rPr lang="ru-RU" sz="1800" dirty="0">
+                <a:solidFill>
+                  <a:schemeClr val="dk1"/>
+                </a:solidFill>
+                <a:latin typeface="Calibri"/>
+                <a:ea typeface="Calibri"/>
+                <a:cs typeface="Calibri"/>
+                <a:sym typeface="Calibri"/>
+              </a:rPr>
+              <a:t> будут доступны другим функциям и объектам в программе (т е вне определения класса).</a:t>
+            </a:r>
+            <a:endParaRPr dirty="0"/>
           </a:p>
         </p:txBody>
       </p:sp>
-      <p:pic>
-        <p:nvPicPr>
-          <p:cNvPr id="291" name="Google Shape;291;p11"/>
-          <p:cNvPicPr preferRelativeResize="0"/>
-          <p:nvPr/>
-        </p:nvPicPr>
-        <p:blipFill rotWithShape="1">
-          <a:blip r:embed="rId8">
-            <a:alphaModFix/>
-          </a:blip>
-          <a:srcRect/>
-          <a:stretch/>
-        </p:blipFill>
-        <p:spPr>
-          <a:xfrm>
-            <a:off x="988588" y="4264560"/>
-            <a:ext cx="7568252" cy="1993016"/>
-          </a:xfrm>
-          <a:prstGeom prst="rect">
-            <a:avLst/>
-          </a:prstGeom>
-          <a:noFill/>
-          <a:ln>
-            <a:noFill/>
-          </a:ln>
-        </p:spPr>
-      </p:pic>
     </p:spTree>
   </p:cSld>
   <p:clrMapOvr>
@@ -22431,7 +22562,7 @@
               <a:buNone/>
             </a:pPr>
             <a:r>
-              <a:rPr lang="ru-RU" sz="2000" b="1" strike="noStrike">
+              <a:rPr lang="ru-RU" sz="2000" b="1" strike="noStrike" dirty="0">
                 <a:solidFill>
                   <a:srgbClr val="000000"/>
                 </a:solidFill>
@@ -22442,7 +22573,7 @@
               </a:rPr>
               <a:t>Тема: Объектно-ориентированное программирование. </a:t>
             </a:r>
-            <a:endParaRPr/>
+            <a:endParaRPr dirty="0"/>
           </a:p>
           <a:p>
             <a:pPr marL="0" marR="0" lvl="0" indent="0" algn="l" rtl="0">
@@ -22458,7 +22589,7 @@
               <a:buNone/>
             </a:pPr>
             <a:r>
-              <a:rPr lang="ru-RU" sz="2000" b="1">
+              <a:rPr lang="ru-RU" sz="2000" b="1" dirty="0">
                 <a:solidFill>
                   <a:srgbClr val="000000"/>
                 </a:solidFill>
@@ -22470,7 +22601,7 @@
               <a:t>			</a:t>
             </a:r>
             <a:r>
-              <a:rPr lang="ru-RU" sz="2000" b="1" strike="noStrike">
+              <a:rPr lang="ru-RU" sz="2000" b="1" strike="noStrike" dirty="0">
                 <a:solidFill>
                   <a:srgbClr val="000000"/>
                 </a:solidFill>
@@ -22481,7 +22612,7 @@
               </a:rPr>
               <a:t>Классы в С++.</a:t>
             </a:r>
-            <a:endParaRPr sz="1800" b="0" strike="noStrike">
+            <a:endParaRPr sz="1800" b="0" strike="noStrike" dirty="0">
               <a:solidFill>
                 <a:schemeClr val="dk1"/>
               </a:solidFill>
@@ -22505,7 +22636,7 @@
               <a:buNone/>
             </a:pPr>
             <a:r>
-              <a:rPr lang="ru-RU" sz="2000" b="0" strike="noStrike">
+              <a:rPr lang="ru-RU" sz="2000" b="0" strike="noStrike" dirty="0">
                 <a:solidFill>
                   <a:srgbClr val="000000"/>
                 </a:solidFill>
@@ -22516,7 +22647,7 @@
               </a:rPr>
               <a:t> </a:t>
             </a:r>
-            <a:endParaRPr sz="2000" b="0" strike="noStrike">
+            <a:endParaRPr sz="2000" b="0" strike="noStrike" dirty="0">
               <a:solidFill>
                 <a:schemeClr val="dk1"/>
               </a:solidFill>
@@ -22969,7 +23100,7 @@
               <a:buNone/>
             </a:pPr>
             <a:r>
-              <a:rPr lang="ru-RU" sz="1800">
+              <a:rPr lang="ru-RU" sz="1800" b="1" dirty="0">
                 <a:solidFill>
                   <a:schemeClr val="dk1"/>
                 </a:solidFill>
@@ -22978,9 +23109,21 @@
                 <a:cs typeface="Calibri"/>
                 <a:sym typeface="Calibri"/>
               </a:rPr>
-              <a:t>Конструктором класса называется специальная функция-член. Он выполняется (вызывается) при создании новых объектов класса. </a:t>
+              <a:t>Конструктором</a:t>
             </a:r>
-            <a:endParaRPr sz="1800">
+            <a:r>
+              <a:rPr lang="ru-RU" sz="1800" dirty="0">
+                <a:solidFill>
+                  <a:schemeClr val="dk1"/>
+                </a:solidFill>
+                <a:latin typeface="Calibri"/>
+                <a:ea typeface="Calibri"/>
+                <a:cs typeface="Calibri"/>
+                <a:sym typeface="Calibri"/>
+              </a:rPr>
+              <a:t> класса называется специальная функция-член. Он выполняется (вызывается) при создании новых объектов класса. </a:t>
+            </a:r>
+            <a:endParaRPr sz="1800" dirty="0">
               <a:solidFill>
                 <a:schemeClr val="dk1"/>
               </a:solidFill>
@@ -23000,7 +23143,7 @@
               </a:spcAft>
               <a:buNone/>
             </a:pPr>
-            <a:endParaRPr sz="1800">
+            <a:endParaRPr sz="1800" dirty="0">
               <a:solidFill>
                 <a:schemeClr val="dk1"/>
               </a:solidFill>
@@ -23021,7 +23164,7 @@
               <a:buNone/>
             </a:pPr>
             <a:r>
-              <a:rPr lang="ru-RU" sz="1800">
+              <a:rPr lang="ru-RU" sz="1800" dirty="0">
                 <a:solidFill>
                   <a:schemeClr val="dk1"/>
                 </a:solidFill>
@@ -23030,9 +23173,33 @@
                 <a:cs typeface="Calibri"/>
                 <a:sym typeface="Calibri"/>
               </a:rPr>
-              <a:t>Имя конструктора совпадает с именем класса. У конструктора нет возвращаемого значения (даже типа void)</a:t>
+              <a:t>Имя конструктора совпадает с именем класса. У конструктора нет возвращаемого значения (даже типа </a:t>
             </a:r>
-            <a:endParaRPr/>
+            <a:r>
+              <a:rPr lang="ru-RU" sz="1800" dirty="0" err="1">
+                <a:solidFill>
+                  <a:schemeClr val="dk1"/>
+                </a:solidFill>
+                <a:latin typeface="Calibri"/>
+                <a:ea typeface="Calibri"/>
+                <a:cs typeface="Calibri"/>
+                <a:sym typeface="Calibri"/>
+              </a:rPr>
+              <a:t>void</a:t>
+            </a:r>
+            <a:r>
+              <a:rPr lang="ru-RU" sz="1800" dirty="0">
+                <a:solidFill>
+                  <a:schemeClr val="dk1"/>
+                </a:solidFill>
+                <a:latin typeface="Calibri"/>
+                <a:ea typeface="Calibri"/>
+                <a:cs typeface="Calibri"/>
+                <a:sym typeface="Calibri"/>
+              </a:rPr>
+              <a:t>)</a:t>
+            </a:r>
+            <a:endParaRPr dirty="0"/>
           </a:p>
         </p:txBody>
       </p:sp>
@@ -23821,7 +23988,7 @@
               <a:buNone/>
             </a:pPr>
             <a:r>
-              <a:rPr lang="ru-RU" sz="1800">
+              <a:rPr lang="ru-RU" sz="1800" dirty="0">
                 <a:solidFill>
                   <a:schemeClr val="dk1"/>
                 </a:solidFill>
@@ -23832,7 +23999,7 @@
               </a:rPr>
               <a:t>Определение класса в другом файле</a:t>
             </a:r>
-            <a:endParaRPr/>
+            <a:endParaRPr dirty="0"/>
           </a:p>
         </p:txBody>
       </p:sp>
@@ -25242,7 +25409,7 @@
               <a:buNone/>
             </a:pPr>
             <a:r>
-              <a:rPr lang="ru-RU" sz="1800" b="1">
+              <a:rPr lang="ru-RU" sz="1800" b="1" dirty="0">
                 <a:solidFill>
                   <a:schemeClr val="dk1"/>
                 </a:solidFill>
@@ -25253,7 +25420,7 @@
               </a:rPr>
               <a:t>Вопросы для размышления</a:t>
             </a:r>
-            <a:endParaRPr/>
+            <a:endParaRPr dirty="0"/>
           </a:p>
           <a:p>
             <a:pPr marL="0" marR="0" lvl="0" indent="0" algn="l" rtl="0">
@@ -25265,7 +25432,7 @@
               </a:spcAft>
               <a:buNone/>
             </a:pPr>
-            <a:endParaRPr sz="1800">
+            <a:endParaRPr sz="1800" dirty="0">
               <a:solidFill>
                 <a:schemeClr val="dk1"/>
               </a:solidFill>
@@ -25291,7 +25458,7 @@
               <a:buChar char="•"/>
             </a:pPr>
             <a:r>
-              <a:rPr lang="ru-RU" sz="1800">
+              <a:rPr lang="ru-RU" sz="1800" dirty="0">
                 <a:solidFill>
                   <a:schemeClr val="dk1"/>
                 </a:solidFill>
@@ -25302,7 +25469,7 @@
               </a:rPr>
               <a:t>Что если названия скрытых полей класса совпадут с аргументами, передаваемыми в конструктор?</a:t>
             </a:r>
-            <a:endParaRPr sz="1800">
+            <a:endParaRPr sz="1800" dirty="0">
               <a:solidFill>
                 <a:schemeClr val="dk1"/>
               </a:solidFill>
@@ -25322,7 +25489,7 @@
               </a:spcAft>
               <a:buNone/>
             </a:pPr>
-            <a:endParaRPr sz="1800">
+            <a:endParaRPr sz="1800" dirty="0">
               <a:solidFill>
                 <a:schemeClr val="dk1"/>
               </a:solidFill>
@@ -25348,7 +25515,7 @@
               <a:buChar char="•"/>
             </a:pPr>
             <a:r>
-              <a:rPr lang="ru-RU" sz="1800">
+              <a:rPr lang="ru-RU" sz="1800" dirty="0">
                 <a:solidFill>
                   <a:schemeClr val="dk1"/>
                 </a:solidFill>
@@ -25359,7 +25526,7 @@
               </a:rPr>
               <a:t>Взаимодействие двух объектов одного класса (например, сложение)</a:t>
             </a:r>
-            <a:endParaRPr sz="1800">
+            <a:endParaRPr sz="1800" dirty="0">
               <a:solidFill>
                 <a:schemeClr val="dk1"/>
               </a:solidFill>
@@ -26987,7 +27154,7 @@
               <a:buNone/>
             </a:pPr>
             <a:r>
-              <a:rPr lang="ru-RU" sz="1800" b="1" i="0" u="none" strike="noStrike" cap="none">
+              <a:rPr lang="ru-RU" sz="1800" b="1" i="0" u="none" strike="noStrike" cap="none" dirty="0">
                 <a:solidFill>
                   <a:srgbClr val="000000"/>
                 </a:solidFill>
@@ -26998,7 +27165,7 @@
               </a:rPr>
               <a:t>1. ВВЕДЕНИЕ. ОРГАНИЗАЦИОННАЯ ИНФОРМАЦИЯ</a:t>
             </a:r>
-            <a:endParaRPr sz="1800" b="0" i="0" u="none" strike="noStrike" cap="none">
+            <a:endParaRPr sz="1800" b="0" i="0" u="none" strike="noStrike" cap="none" dirty="0">
               <a:solidFill>
                 <a:schemeClr val="dk1"/>
               </a:solidFill>
@@ -27021,7 +27188,7 @@
               </a:spcAft>
               <a:buNone/>
             </a:pPr>
-            <a:endParaRPr sz="1800" b="0" i="0" u="none" strike="noStrike" cap="none">
+            <a:endParaRPr sz="1800" b="0" i="0" u="none" strike="noStrike" cap="none" dirty="0">
               <a:solidFill>
                 <a:schemeClr val="dk1"/>
               </a:solidFill>
@@ -27050,7 +27217,7 @@
               <a:buChar char="•"/>
             </a:pPr>
             <a:r>
-              <a:rPr lang="ru-RU" sz="1400" b="0" i="0" u="none" strike="noStrike" cap="none">
+              <a:rPr lang="ru-RU" sz="1400" b="0" i="0" u="none" strike="noStrike" cap="none" dirty="0">
                 <a:solidFill>
                   <a:srgbClr val="000000"/>
                 </a:solidFill>
@@ -27061,7 +27228,7 @@
               </a:rPr>
               <a:t>Тема занятия </a:t>
             </a:r>
-            <a:endParaRPr sz="1400" b="0" i="0" u="none" strike="noStrike" cap="none">
+            <a:endParaRPr sz="1400" b="0" i="0" u="none" strike="noStrike" cap="none" dirty="0">
               <a:solidFill>
                 <a:schemeClr val="dk1"/>
               </a:solidFill>
@@ -27090,7 +27257,7 @@
               <a:buChar char="•"/>
             </a:pPr>
             <a:r>
-              <a:rPr lang="ru-RU" sz="1400" b="0" i="0" u="none" strike="noStrike" cap="none">
+              <a:rPr lang="ru-RU" sz="1400" b="0" i="0" u="none" strike="noStrike" cap="none" dirty="0">
                 <a:solidFill>
                   <a:srgbClr val="000000"/>
                 </a:solidFill>
@@ -27101,7 +27268,7 @@
               </a:rPr>
               <a:t>Цели и задачи занятия </a:t>
             </a:r>
-            <a:endParaRPr sz="1400" b="0" i="0" u="none" strike="noStrike" cap="none">
+            <a:endParaRPr sz="1400" b="0" i="0" u="none" strike="noStrike" cap="none" dirty="0">
               <a:solidFill>
                 <a:schemeClr val="dk1"/>
               </a:solidFill>
@@ -27130,7 +27297,7 @@
               <a:buChar char="•"/>
             </a:pPr>
             <a:r>
-              <a:rPr lang="ru-RU" sz="1400" b="0" i="0" u="none" strike="noStrike" cap="none">
+              <a:rPr lang="ru-RU" sz="1400" b="0" i="0" u="none" strike="noStrike" cap="none" dirty="0">
                 <a:solidFill>
                   <a:srgbClr val="000000"/>
                 </a:solidFill>
@@ -27141,7 +27308,7 @@
               </a:rPr>
               <a:t>Результаты занятия </a:t>
             </a:r>
-            <a:endParaRPr sz="1400" b="0" i="0" u="none" strike="noStrike" cap="none">
+            <a:endParaRPr sz="1400" b="0" i="0" u="none" strike="noStrike" cap="none" dirty="0">
               <a:solidFill>
                 <a:schemeClr val="dk1"/>
               </a:solidFill>
@@ -27170,7 +27337,7 @@
               <a:buChar char="•"/>
             </a:pPr>
             <a:r>
-              <a:rPr lang="ru-RU" sz="1400" b="0" i="0" u="none" strike="noStrike" cap="none">
+              <a:rPr lang="ru-RU" sz="1400" b="0" i="0" u="none" strike="noStrike" cap="none" dirty="0">
                 <a:solidFill>
                   <a:srgbClr val="000000"/>
                 </a:solidFill>
@@ -27181,7 +27348,7 @@
               </a:rPr>
               <a:t>Материалы для преподавателя</a:t>
             </a:r>
-            <a:endParaRPr sz="1400" b="0" i="0" u="none" strike="noStrike" cap="none">
+            <a:endParaRPr sz="1400" b="0" i="0" u="none" strike="noStrike" cap="none" dirty="0">
               <a:solidFill>
                 <a:schemeClr val="dk1"/>
               </a:solidFill>
@@ -27210,7 +27377,7 @@
               <a:buChar char="•"/>
             </a:pPr>
             <a:r>
-              <a:rPr lang="ru-RU" sz="1400" b="0" i="0" u="none" strike="noStrike" cap="none">
+              <a:rPr lang="ru-RU" sz="1400" b="0" i="0" u="none" strike="noStrike" cap="none" dirty="0">
                 <a:solidFill>
                   <a:srgbClr val="000000"/>
                 </a:solidFill>
@@ -27221,7 +27388,7 @@
               </a:rPr>
               <a:t>Материалы для ученика </a:t>
             </a:r>
-            <a:endParaRPr sz="1400" b="0" i="0" u="none" strike="noStrike" cap="none">
+            <a:endParaRPr sz="1400" b="0" i="0" u="none" strike="noStrike" cap="none" dirty="0">
               <a:solidFill>
                 <a:schemeClr val="dk1"/>
               </a:solidFill>
@@ -27250,7 +27417,7 @@
               <a:buChar char="•"/>
             </a:pPr>
             <a:r>
-              <a:rPr lang="ru-RU" sz="1400" b="0" i="0" u="none" strike="noStrike" cap="none">
+              <a:rPr lang="ru-RU" sz="1400" b="0" i="0" u="none" strike="noStrike" cap="none" dirty="0" err="1">
                 <a:solidFill>
                   <a:srgbClr val="000000"/>
                 </a:solidFill>
@@ -27259,9 +27426,21 @@
                 <a:cs typeface="Calibri"/>
                 <a:sym typeface="Calibri"/>
               </a:rPr>
-              <a:t>Тайминг проведения занятия </a:t>
+              <a:t>Тайминг</a:t>
             </a:r>
-            <a:endParaRPr sz="1400" b="0" i="0" u="none" strike="noStrike" cap="none">
+            <a:r>
+              <a:rPr lang="ru-RU" sz="1400" b="0" i="0" u="none" strike="noStrike" cap="none" dirty="0">
+                <a:solidFill>
+                  <a:srgbClr val="000000"/>
+                </a:solidFill>
+                <a:latin typeface="Calibri"/>
+                <a:ea typeface="Calibri"/>
+                <a:cs typeface="Calibri"/>
+                <a:sym typeface="Calibri"/>
+              </a:rPr>
+              <a:t> проведения занятия </a:t>
+            </a:r>
+            <a:endParaRPr sz="1400" b="0" i="0" u="none" strike="noStrike" cap="none" dirty="0">
               <a:solidFill>
                 <a:schemeClr val="dk1"/>
               </a:solidFill>
@@ -27284,7 +27463,7 @@
               </a:spcAft>
               <a:buNone/>
             </a:pPr>
-            <a:endParaRPr sz="1400" b="0" i="0" u="none" strike="noStrike" cap="none">
+            <a:endParaRPr sz="1400" b="0" i="0" u="none" strike="noStrike" cap="none" dirty="0">
               <a:solidFill>
                 <a:schemeClr val="dk1"/>
               </a:solidFill>
@@ -27308,7 +27487,7 @@
               <a:buNone/>
             </a:pPr>
             <a:r>
-              <a:rPr lang="ru-RU" sz="1800" b="1" i="0" u="none" strike="noStrike" cap="none">
+              <a:rPr lang="ru-RU" sz="1800" b="1" i="0" u="none" strike="noStrike" cap="none" dirty="0">
                 <a:solidFill>
                   <a:srgbClr val="000000"/>
                 </a:solidFill>
@@ -27319,7 +27498,7 @@
               </a:rPr>
               <a:t>2. ТЕОРЕТИЧЕСКАЯ ЧАСТЬ</a:t>
             </a:r>
-            <a:endParaRPr sz="1800" b="0" i="0" u="none" strike="noStrike" cap="none">
+            <a:endParaRPr sz="1800" b="0" i="0" u="none" strike="noStrike" cap="none" dirty="0">
               <a:solidFill>
                 <a:schemeClr val="dk1"/>
               </a:solidFill>
@@ -27342,7 +27521,7 @@
               </a:spcAft>
               <a:buNone/>
             </a:pPr>
-            <a:endParaRPr sz="1800" b="0" i="0" u="none" strike="noStrike" cap="none">
+            <a:endParaRPr sz="1800" b="0" i="0" u="none" strike="noStrike" cap="none" dirty="0">
               <a:solidFill>
                 <a:schemeClr val="dk1"/>
               </a:solidFill>
@@ -27371,7 +27550,7 @@
               <a:buChar char="•"/>
             </a:pPr>
             <a:r>
-              <a:rPr lang="ru-RU" sz="1400" b="0" i="0" u="none" strike="noStrike" cap="none">
+              <a:rPr lang="ru-RU" sz="1400" b="0" i="0" u="none" strike="noStrike" cap="none" dirty="0">
                 <a:solidFill>
                   <a:srgbClr val="000000"/>
                 </a:solidFill>
@@ -27382,7 +27561,7 @@
               </a:rPr>
               <a:t>Объектно-ориентированное программирование</a:t>
             </a:r>
-            <a:endParaRPr sz="1400" b="0" i="0" u="none" strike="noStrike" cap="none">
+            <a:endParaRPr sz="1400" b="0" i="0" u="none" strike="noStrike" cap="none" dirty="0">
               <a:solidFill>
                 <a:srgbClr val="000000"/>
               </a:solidFill>
@@ -27411,7 +27590,7 @@
               <a:buChar char="•"/>
             </a:pPr>
             <a:r>
-              <a:rPr lang="ru-RU" sz="1400" b="0" i="0" u="none" strike="noStrike" cap="none">
+              <a:rPr lang="ru-RU" sz="1400" b="0" i="0" u="none" strike="noStrike" cap="none" dirty="0">
                 <a:solidFill>
                   <a:srgbClr val="000000"/>
                 </a:solidFill>
@@ -27422,7 +27601,7 @@
               </a:rPr>
               <a:t>Классы в С++. Создание класса</a:t>
             </a:r>
-            <a:endParaRPr/>
+            <a:endParaRPr dirty="0"/>
           </a:p>
           <a:p>
             <a:pPr marL="285840" marR="0" lvl="0" indent="-195499" algn="l" rtl="0">
@@ -27442,7 +27621,7 @@
               <a:buFont typeface="Arial"/>
               <a:buNone/>
             </a:pPr>
-            <a:endParaRPr sz="1400" b="0" i="0" u="none" strike="noStrike" cap="none">
+            <a:endParaRPr sz="1400" b="0" i="0" u="none" strike="noStrike" cap="none" dirty="0">
               <a:solidFill>
                 <a:schemeClr val="dk1"/>
               </a:solidFill>
@@ -27465,7 +27644,7 @@
               </a:spcAft>
               <a:buNone/>
             </a:pPr>
-            <a:endParaRPr sz="1400" b="0" i="0" u="none" strike="noStrike" cap="none">
+            <a:endParaRPr sz="1400" b="0" i="0" u="none" strike="noStrike" cap="none" dirty="0">
               <a:solidFill>
                 <a:schemeClr val="dk1"/>
               </a:solidFill>
@@ -27489,7 +27668,7 @@
               <a:buNone/>
             </a:pPr>
             <a:r>
-              <a:rPr lang="ru-RU" sz="1800" b="1" i="0" u="none" strike="noStrike" cap="none">
+              <a:rPr lang="ru-RU" sz="1800" b="1" i="0" u="none" strike="noStrike" cap="none" dirty="0">
                 <a:solidFill>
                   <a:srgbClr val="000000"/>
                 </a:solidFill>
@@ -27501,7 +27680,7 @@
               <a:t>3. ПРАКТИЧЕСКАЯ ЧАСТЬ</a:t>
             </a:r>
             <a:r>
-              <a:rPr lang="ru-RU" sz="800" b="1" i="0" u="none" strike="noStrike" cap="none">
+              <a:rPr lang="ru-RU" sz="800" b="1" i="0" u="none" strike="noStrike" cap="none" dirty="0">
                 <a:solidFill>
                   <a:srgbClr val="000000"/>
                 </a:solidFill>
@@ -27512,7 +27691,7 @@
               </a:rPr>
               <a:t> </a:t>
             </a:r>
-            <a:endParaRPr sz="800" b="0" i="0" u="none" strike="noStrike" cap="none">
+            <a:endParaRPr sz="800" b="0" i="0" u="none" strike="noStrike" cap="none" dirty="0">
               <a:solidFill>
                 <a:schemeClr val="dk1"/>
               </a:solidFill>
@@ -27535,7 +27714,7 @@
               </a:spcAft>
               <a:buNone/>
             </a:pPr>
-            <a:endParaRPr sz="800" b="0" i="0" u="none" strike="noStrike" cap="none">
+            <a:endParaRPr sz="800" b="0" i="0" u="none" strike="noStrike" cap="none" dirty="0">
               <a:solidFill>
                 <a:schemeClr val="dk1"/>
               </a:solidFill>
@@ -27564,7 +27743,7 @@
               <a:buChar char="•"/>
             </a:pPr>
             <a:r>
-              <a:rPr lang="ru-RU" sz="1400" b="0" i="0" u="none" strike="noStrike" cap="none">
+              <a:rPr lang="ru-RU" sz="1400" b="0" i="0" u="none" strike="noStrike" cap="none" dirty="0">
                 <a:solidFill>
                   <a:srgbClr val="000000"/>
                 </a:solidFill>
@@ -27575,7 +27754,7 @@
               </a:rPr>
               <a:t>Создание экземпляров классов</a:t>
             </a:r>
-            <a:endParaRPr/>
+            <a:endParaRPr dirty="0"/>
           </a:p>
           <a:p>
             <a:pPr marL="285840" marR="0" lvl="0" indent="-284400" algn="l" rtl="0">
@@ -27596,7 +27775,7 @@
               <a:buChar char="•"/>
             </a:pPr>
             <a:r>
-              <a:rPr lang="ru-RU" sz="1400" b="0" i="0" u="none" strike="noStrike" cap="none">
+              <a:rPr lang="ru-RU" sz="1400" b="0" i="0" u="none" strike="noStrike" cap="none" dirty="0">
                 <a:solidFill>
                   <a:srgbClr val="000000"/>
                 </a:solidFill>
@@ -27607,7 +27786,7 @@
               </a:rPr>
               <a:t>Изучение принципов инкапсуляции</a:t>
             </a:r>
-            <a:endParaRPr/>
+            <a:endParaRPr dirty="0"/>
           </a:p>
           <a:p>
             <a:pPr marL="285840" marR="0" lvl="0" indent="-284400" algn="l" rtl="0">
@@ -27628,7 +27807,7 @@
               <a:buChar char="•"/>
             </a:pPr>
             <a:r>
-              <a:rPr lang="ru-RU" sz="1400" b="0" i="0" u="none" strike="noStrike" cap="none">
+              <a:rPr lang="ru-RU" sz="1400" b="0" i="0" u="none" strike="noStrike" cap="none" dirty="0">
                 <a:solidFill>
                   <a:srgbClr val="000000"/>
                 </a:solidFill>
@@ -27639,7 +27818,7 @@
               </a:rPr>
               <a:t>Изучение видов полей и методов класса</a:t>
             </a:r>
-            <a:endParaRPr sz="1400" b="0" i="0" u="none" strike="noStrike" cap="none">
+            <a:endParaRPr sz="1400" b="0" i="0" u="none" strike="noStrike" cap="none" dirty="0">
               <a:solidFill>
                 <a:schemeClr val="dk1"/>
               </a:solidFill>
@@ -27663,7 +27842,7 @@
               <a:buNone/>
             </a:pPr>
             <a:r>
-              <a:rPr lang="ru-RU" sz="1800" b="0" i="0" u="none" strike="noStrike" cap="none">
+              <a:rPr lang="ru-RU" sz="1800" b="0" i="0" u="none" strike="noStrike" cap="none" dirty="0">
                 <a:solidFill>
                   <a:schemeClr val="dk1"/>
                 </a:solidFill>
@@ -27675,7 +27854,7 @@
               <a:t/>
             </a:r>
             <a:br>
-              <a:rPr lang="ru-RU" sz="1800" b="0" i="0" u="none" strike="noStrike" cap="none">
+              <a:rPr lang="ru-RU" sz="1800" b="0" i="0" u="none" strike="noStrike" cap="none" dirty="0">
                 <a:solidFill>
                   <a:schemeClr val="dk1"/>
                 </a:solidFill>
@@ -27685,7 +27864,7 @@
                 <a:sym typeface="Arial"/>
               </a:rPr>
             </a:br>
-            <a:endParaRPr sz="1400" b="0" i="0" u="none" strike="noStrike" cap="none">
+            <a:endParaRPr sz="1400" b="0" i="0" u="none" strike="noStrike" cap="none" dirty="0">
               <a:solidFill>
                 <a:schemeClr val="dk1"/>
               </a:solidFill>
@@ -27708,7 +27887,7 @@
               </a:spcAft>
               <a:buNone/>
             </a:pPr>
-            <a:endParaRPr sz="1400" b="0" i="0" u="none" strike="noStrike" cap="none">
+            <a:endParaRPr sz="1400" b="0" i="0" u="none" strike="noStrike" cap="none" dirty="0">
               <a:solidFill>
                 <a:schemeClr val="dk1"/>
               </a:solidFill>
@@ -28359,7 +28538,7 @@
               <a:buNone/>
             </a:pPr>
             <a:r>
-              <a:rPr lang="ru-RU" sz="1800" b="1" i="0" u="none" strike="noStrike" cap="none">
+              <a:rPr lang="ru-RU" sz="1800" b="1" i="0" u="none" strike="noStrike" cap="none" dirty="0">
                 <a:solidFill>
                   <a:srgbClr val="000000"/>
                 </a:solidFill>
@@ -28370,7 +28549,7 @@
               </a:rPr>
               <a:t>Тема: Объектно-ориентированное программирование.</a:t>
             </a:r>
-            <a:endParaRPr/>
+            <a:endParaRPr dirty="0"/>
           </a:p>
           <a:p>
             <a:pPr marL="0" marR="0" lvl="0" indent="0" algn="l" rtl="0">
@@ -28386,7 +28565,7 @@
               <a:buNone/>
             </a:pPr>
             <a:r>
-              <a:rPr lang="ru-RU" sz="1800" b="1" i="0" u="none" strike="noStrike" cap="none">
+              <a:rPr lang="ru-RU" sz="1800" b="1" i="0" u="none" strike="noStrike" cap="none" dirty="0">
                 <a:solidFill>
                   <a:srgbClr val="000000"/>
                 </a:solidFill>
@@ -28397,7 +28576,7 @@
               </a:rPr>
               <a:t>			 Классы в С++.</a:t>
             </a:r>
-            <a:endParaRPr sz="1800" b="0" i="0" u="none" strike="noStrike" cap="none">
+            <a:endParaRPr sz="1800" b="0" i="0" u="none" strike="noStrike" cap="none" dirty="0">
               <a:solidFill>
                 <a:schemeClr val="dk1"/>
               </a:solidFill>
@@ -28420,7 +28599,7 @@
               </a:spcAft>
               <a:buNone/>
             </a:pPr>
-            <a:endParaRPr sz="1800" b="0" i="0" u="none" strike="noStrike" cap="none">
+            <a:endParaRPr sz="1800" b="0" i="0" u="none" strike="noStrike" cap="none" dirty="0">
               <a:solidFill>
                 <a:schemeClr val="dk1"/>
               </a:solidFill>
@@ -28444,7 +28623,7 @@
               <a:buNone/>
             </a:pPr>
             <a:r>
-              <a:rPr lang="ru-RU" sz="1600" b="1" i="0" u="none" strike="noStrike" cap="none">
+              <a:rPr lang="ru-RU" sz="1600" b="1" i="0" u="none" strike="noStrike" cap="none" dirty="0">
                 <a:solidFill>
                   <a:srgbClr val="000000"/>
                 </a:solidFill>
@@ -28455,7 +28634,7 @@
               </a:rPr>
               <a:t>Цели и задачи:</a:t>
             </a:r>
-            <a:endParaRPr sz="1600" b="0" i="0" u="none" strike="noStrike" cap="none">
+            <a:endParaRPr sz="1600" b="0" i="0" u="none" strike="noStrike" cap="none" dirty="0">
               <a:solidFill>
                 <a:schemeClr val="dk1"/>
               </a:solidFill>
@@ -28478,7 +28657,7 @@
               </a:spcAft>
               <a:buNone/>
             </a:pPr>
-            <a:endParaRPr sz="1600" b="0" i="0" u="none" strike="noStrike" cap="none">
+            <a:endParaRPr sz="1600" b="0" i="0" u="none" strike="noStrike" cap="none" dirty="0">
               <a:solidFill>
                 <a:schemeClr val="dk1"/>
               </a:solidFill>
@@ -28507,7 +28686,7 @@
               <a:buChar char="•"/>
             </a:pPr>
             <a:r>
-              <a:rPr lang="ru-RU" sz="1400" b="0" i="0" u="none" strike="noStrike" cap="none">
+              <a:rPr lang="ru-RU" sz="1400" b="0" i="0" u="none" strike="noStrike" cap="none" dirty="0">
                 <a:solidFill>
                   <a:srgbClr val="000000"/>
                 </a:solidFill>
@@ -28518,7 +28697,7 @@
               </a:rPr>
               <a:t> Рассказать о разнице между процедурным и структурным программированием</a:t>
             </a:r>
-            <a:endParaRPr sz="1400" b="0" i="0" u="none" strike="noStrike" cap="none">
+            <a:endParaRPr sz="1400" b="0" i="0" u="none" strike="noStrike" cap="none" dirty="0">
               <a:solidFill>
                 <a:schemeClr val="dk1"/>
               </a:solidFill>
@@ -28544,7 +28723,7 @@
               <a:buChar char="●"/>
             </a:pPr>
             <a:r>
-              <a:rPr lang="ru-RU" sz="1400" b="0" i="0" u="none" strike="noStrike" cap="none">
+              <a:rPr lang="ru-RU" sz="1400" b="0" i="0" u="none" strike="noStrike" cap="none" dirty="0">
                 <a:solidFill>
                   <a:srgbClr val="000000"/>
                 </a:solidFill>
@@ -28555,7 +28734,7 @@
               </a:rPr>
               <a:t>Рассказать о месте ООП в современных задачах</a:t>
             </a:r>
-            <a:endParaRPr sz="1400" b="0" i="0" u="none" strike="noStrike" cap="none">
+            <a:endParaRPr sz="1400" b="0" i="0" u="none" strike="noStrike" cap="none" dirty="0">
               <a:solidFill>
                 <a:schemeClr val="dk1"/>
               </a:solidFill>
@@ -28581,7 +28760,7 @@
               <a:buChar char="●"/>
             </a:pPr>
             <a:r>
-              <a:rPr lang="ru-RU" sz="1400" b="0" i="0" u="none" strike="noStrike" cap="none">
+              <a:rPr lang="ru-RU" sz="1400" b="0" i="0" u="none" strike="noStrike" cap="none" dirty="0">
                 <a:solidFill>
                   <a:srgbClr val="000000"/>
                 </a:solidFill>
@@ -28592,7 +28771,7 @@
               </a:rPr>
               <a:t>Рассказать об основных характеристиках ООП</a:t>
             </a:r>
-            <a:endParaRPr sz="1400" b="0" i="0" u="none" strike="noStrike" cap="none">
+            <a:endParaRPr sz="1400" b="0" i="0" u="none" strike="noStrike" cap="none" dirty="0">
               <a:solidFill>
                 <a:schemeClr val="dk1"/>
               </a:solidFill>
@@ -28618,7 +28797,7 @@
               <a:buChar char="●"/>
             </a:pPr>
             <a:r>
-              <a:rPr lang="ru-RU" sz="1400" b="0" i="0" u="none" strike="noStrike" cap="none">
+              <a:rPr lang="ru-RU" sz="1400" b="0" i="0" u="none" strike="noStrike" cap="none" dirty="0">
                 <a:solidFill>
                   <a:srgbClr val="000000"/>
                 </a:solidFill>
@@ -28629,7 +28808,7 @@
               </a:rPr>
               <a:t>Создать класса с конструктором и методами</a:t>
             </a:r>
-            <a:endParaRPr/>
+            <a:endParaRPr dirty="0"/>
           </a:p>
           <a:p>
             <a:pPr marL="216000" marR="0" lvl="0" indent="-216000" algn="l" rtl="0">
@@ -28647,7 +28826,7 @@
               <a:buChar char="●"/>
             </a:pPr>
             <a:r>
-              <a:rPr lang="ru-RU" sz="1400" b="0" i="0" u="none" strike="noStrike" cap="none">
+              <a:rPr lang="ru-RU" sz="1400" b="0" i="0" u="none" strike="noStrike" cap="none" dirty="0">
                 <a:solidFill>
                   <a:srgbClr val="000000"/>
                 </a:solidFill>
@@ -28658,7 +28837,7 @@
               </a:rPr>
               <a:t>Создать объект класса и указатели на этот объект</a:t>
             </a:r>
-            <a:endParaRPr/>
+            <a:endParaRPr dirty="0"/>
           </a:p>
           <a:p>
             <a:pPr marL="216000" marR="0" lvl="0" indent="-216000" algn="l" rtl="0">
@@ -28676,7 +28855,7 @@
               <a:buChar char="●"/>
             </a:pPr>
             <a:r>
-              <a:rPr lang="ru-RU" sz="1400" b="0" i="0" u="none" strike="noStrike" cap="none">
+              <a:rPr lang="ru-RU" sz="1400" b="0" i="0" u="none" strike="noStrike" cap="none" dirty="0">
                 <a:solidFill>
                   <a:srgbClr val="000000"/>
                 </a:solidFill>
@@ -28687,7 +28866,7 @@
               </a:rPr>
               <a:t>Получить доступ к методам и полям объекта класса</a:t>
             </a:r>
-            <a:endParaRPr sz="1400" b="0" i="0" u="none" strike="noStrike" cap="none">
+            <a:endParaRPr sz="1400" b="0" i="0" u="none" strike="noStrike" cap="none" dirty="0">
               <a:solidFill>
                 <a:srgbClr val="000000"/>
               </a:solidFill>
@@ -28711,7 +28890,7 @@
               <a:buNone/>
             </a:pPr>
             <a:r>
-              <a:rPr lang="ru-RU" sz="1800" b="0" i="0" u="none" strike="noStrike" cap="none">
+              <a:rPr lang="ru-RU" sz="1800" b="0" i="0" u="none" strike="noStrike" cap="none" dirty="0">
                 <a:solidFill>
                   <a:schemeClr val="dk1"/>
                 </a:solidFill>
@@ -28723,7 +28902,7 @@
               <a:t/>
             </a:r>
             <a:br>
-              <a:rPr lang="ru-RU" sz="1800" b="0" i="0" u="none" strike="noStrike" cap="none">
+              <a:rPr lang="ru-RU" sz="1800" b="0" i="0" u="none" strike="noStrike" cap="none" dirty="0">
                 <a:solidFill>
                   <a:schemeClr val="dk1"/>
                 </a:solidFill>
@@ -28734,7 +28913,7 @@
               </a:rPr>
             </a:br>
             <a:r>
-              <a:rPr lang="ru-RU" sz="1600" b="1" i="0" u="none" strike="noStrike" cap="none">
+              <a:rPr lang="ru-RU" sz="1600" b="1" i="0" u="none" strike="noStrike" cap="none" dirty="0">
                 <a:solidFill>
                   <a:srgbClr val="000000"/>
                 </a:solidFill>
@@ -28745,7 +28924,7 @@
               </a:rPr>
               <a:t>По результатам занятия слушатель будет знать: </a:t>
             </a:r>
-            <a:endParaRPr sz="1600" b="0" i="0" u="none" strike="noStrike" cap="none">
+            <a:endParaRPr sz="1600" b="0" i="0" u="none" strike="noStrike" cap="none" dirty="0">
               <a:solidFill>
                 <a:schemeClr val="dk1"/>
               </a:solidFill>
@@ -28768,7 +28947,7 @@
               </a:spcAft>
               <a:buNone/>
             </a:pPr>
-            <a:endParaRPr sz="1600" b="0" i="0" u="none" strike="noStrike" cap="none">
+            <a:endParaRPr sz="1600" b="0" i="0" u="none" strike="noStrike" cap="none" dirty="0">
               <a:solidFill>
                 <a:schemeClr val="dk1"/>
               </a:solidFill>
@@ -28797,7 +28976,7 @@
               <a:buChar char="•"/>
             </a:pPr>
             <a:r>
-              <a:rPr lang="ru-RU" sz="1400" b="0" i="0" u="none" strike="noStrike" cap="none">
+              <a:rPr lang="ru-RU" sz="1400" b="0" i="0" u="none" strike="noStrike" cap="none" dirty="0">
                 <a:solidFill>
                   <a:srgbClr val="000000"/>
                 </a:solidFill>
@@ -28808,7 +28987,7 @@
               </a:rPr>
               <a:t>Что такое ООП</a:t>
             </a:r>
-            <a:endParaRPr/>
+            <a:endParaRPr dirty="0"/>
           </a:p>
           <a:p>
             <a:pPr marL="171360" marR="0" lvl="0" indent="-169920" algn="l" rtl="0">
@@ -28829,7 +29008,7 @@
               <a:buChar char="•"/>
             </a:pPr>
             <a:r>
-              <a:rPr lang="ru-RU" sz="1400" b="0" i="0" u="none" strike="noStrike" cap="none">
+              <a:rPr lang="ru-RU" sz="1400" b="0" i="0" u="none" strike="noStrike" cap="none" dirty="0">
                 <a:solidFill>
                   <a:srgbClr val="000000"/>
                 </a:solidFill>
@@ -28840,7 +29019,7 @@
               </a:rPr>
               <a:t>Разницу между процедурным и объектно-ориентированном программированием</a:t>
             </a:r>
-            <a:endParaRPr sz="1400" b="0" i="0" u="none" strike="noStrike" cap="none">
+            <a:endParaRPr sz="1400" b="0" i="0" u="none" strike="noStrike" cap="none" dirty="0">
               <a:solidFill>
                 <a:schemeClr val="dk1"/>
               </a:solidFill>
@@ -29344,7 +29523,7 @@
               <a:buNone/>
             </a:pPr>
             <a:r>
-              <a:rPr lang="ru-RU" sz="1600" b="1" i="0" u="none" strike="noStrike" cap="none">
+              <a:rPr lang="ru-RU" sz="1600" b="1" i="0" u="none" strike="noStrike" cap="none" dirty="0">
                 <a:solidFill>
                   <a:srgbClr val="000000"/>
                 </a:solidFill>
@@ -29356,7 +29535,7 @@
               <a:t>По результатам занятия слушатель будет уметь:</a:t>
             </a:r>
             <a:r>
-              <a:rPr lang="ru-RU" sz="1200" b="1" i="0" u="none" strike="noStrike" cap="none">
+              <a:rPr lang="ru-RU" sz="1200" b="1" i="0" u="none" strike="noStrike" cap="none" dirty="0">
                 <a:solidFill>
                   <a:srgbClr val="000000"/>
                 </a:solidFill>
@@ -29367,7 +29546,7 @@
               </a:rPr>
               <a:t> </a:t>
             </a:r>
-            <a:endParaRPr sz="1200" b="0" i="0" u="none" strike="noStrike" cap="none">
+            <a:endParaRPr sz="1200" b="0" i="0" u="none" strike="noStrike" cap="none" dirty="0">
               <a:solidFill>
                 <a:schemeClr val="dk1"/>
               </a:solidFill>
@@ -29390,7 +29569,7 @@
               </a:spcAft>
               <a:buNone/>
             </a:pPr>
-            <a:endParaRPr sz="1200" b="0" i="0" u="none" strike="noStrike" cap="none">
+            <a:endParaRPr sz="1200" b="0" i="0" u="none" strike="noStrike" cap="none" dirty="0">
               <a:solidFill>
                 <a:schemeClr val="dk1"/>
               </a:solidFill>
@@ -29419,7 +29598,7 @@
               <a:buChar char="•"/>
             </a:pPr>
             <a:r>
-              <a:rPr lang="ru-RU" sz="1400" b="0" i="0" u="none" strike="noStrike" cap="none">
+              <a:rPr lang="ru-RU" sz="1400" b="0" i="0" u="none" strike="noStrike" cap="none" dirty="0">
                 <a:solidFill>
                   <a:srgbClr val="000000"/>
                 </a:solidFill>
@@ -29430,7 +29609,7 @@
               </a:rPr>
               <a:t> Создавать классы в С++</a:t>
             </a:r>
-            <a:endParaRPr sz="1400" b="0" i="0" u="none" strike="noStrike" cap="none">
+            <a:endParaRPr sz="1400" b="0" i="0" u="none" strike="noStrike" cap="none" dirty="0">
               <a:solidFill>
                 <a:schemeClr val="dk1"/>
               </a:solidFill>
@@ -29456,7 +29635,7 @@
               <a:buChar char="●"/>
             </a:pPr>
             <a:r>
-              <a:rPr lang="ru-RU" sz="1400" b="0" i="0" u="none" strike="noStrike" cap="none">
+              <a:rPr lang="ru-RU" sz="1400" b="0" i="0" u="none" strike="noStrike" cap="none" dirty="0">
                 <a:solidFill>
                   <a:srgbClr val="000000"/>
                 </a:solidFill>
@@ -29467,7 +29646,7 @@
               </a:rPr>
               <a:t>Работать с объектами класса и указателями на этот объект</a:t>
             </a:r>
-            <a:endParaRPr/>
+            <a:endParaRPr dirty="0"/>
           </a:p>
           <a:p>
             <a:pPr marL="216000" marR="0" lvl="0" indent="-216000" algn="l" rtl="0">
@@ -29485,7 +29664,7 @@
               <a:buChar char="●"/>
             </a:pPr>
             <a:r>
-              <a:rPr lang="ru-RU" sz="1400" b="0" i="0" u="none" strike="noStrike" cap="none">
+              <a:rPr lang="ru-RU" sz="1400" b="0" i="0" u="none" strike="noStrike" cap="none" dirty="0">
                 <a:solidFill>
                   <a:srgbClr val="000000"/>
                 </a:solidFill>
@@ -29496,7 +29675,7 @@
               </a:rPr>
               <a:t>Создавать поля и методы класса</a:t>
             </a:r>
-            <a:endParaRPr sz="1400" b="0" i="0" u="none" strike="noStrike" cap="none">
+            <a:endParaRPr sz="1400" b="0" i="0" u="none" strike="noStrike" cap="none" dirty="0">
               <a:solidFill>
                 <a:schemeClr val="dk1"/>
               </a:solidFill>
@@ -29521,7 +29700,7 @@
               <a:buFont typeface="Noto Sans Symbols"/>
               <a:buNone/>
             </a:pPr>
-            <a:endParaRPr sz="1400" b="0" i="0" u="none" strike="noStrike" cap="none">
+            <a:endParaRPr sz="1400" b="0" i="0" u="none" strike="noStrike" cap="none" dirty="0">
               <a:solidFill>
                 <a:schemeClr val="dk1"/>
               </a:solidFill>
@@ -29546,7 +29725,7 @@
               <a:buFont typeface="Noto Sans Symbols"/>
               <a:buNone/>
             </a:pPr>
-            <a:endParaRPr sz="1400" b="0" i="0" u="none" strike="noStrike" cap="none">
+            <a:endParaRPr sz="1400" b="0" i="0" u="none" strike="noStrike" cap="none" dirty="0">
               <a:solidFill>
                 <a:schemeClr val="dk1"/>
               </a:solidFill>
@@ -29570,7 +29749,7 @@
               <a:buNone/>
             </a:pPr>
             <a:r>
-              <a:rPr lang="ru-RU" sz="1600" b="1" i="0" u="none" strike="noStrike" cap="none">
+              <a:rPr lang="ru-RU" sz="1600" b="1" i="0" u="none" strike="noStrike" cap="none" dirty="0" err="1">
                 <a:solidFill>
                   <a:srgbClr val="000000"/>
                 </a:solidFill>
@@ -29579,9 +29758,21 @@
                 <a:cs typeface="Calibri"/>
                 <a:sym typeface="Calibri"/>
               </a:rPr>
-              <a:t>Тайминг занятия</a:t>
+              <a:t>Тайминг</a:t>
             </a:r>
-            <a:endParaRPr sz="1600" b="0" i="0" u="none" strike="noStrike" cap="none">
+            <a:r>
+              <a:rPr lang="ru-RU" sz="1600" b="1" i="0" u="none" strike="noStrike" cap="none" dirty="0">
+                <a:solidFill>
+                  <a:srgbClr val="000000"/>
+                </a:solidFill>
+                <a:latin typeface="Calibri"/>
+                <a:ea typeface="Calibri"/>
+                <a:cs typeface="Calibri"/>
+                <a:sym typeface="Calibri"/>
+              </a:rPr>
+              <a:t> занятия</a:t>
+            </a:r>
+            <a:endParaRPr sz="1600" b="0" i="0" u="none" strike="noStrike" cap="none" dirty="0">
               <a:solidFill>
                 <a:schemeClr val="dk1"/>
               </a:solidFill>
@@ -32110,7 +32301,7 @@
                         <a:buNone/>
                       </a:pPr>
                       <a:r>
-                        <a:rPr lang="ru-RU" sz="1100" b="0" strike="noStrike">
+                        <a:rPr lang="ru-RU" sz="1100" b="0" strike="noStrike" dirty="0">
                           <a:solidFill>
                             <a:srgbClr val="000000"/>
                           </a:solidFill>
@@ -32121,7 +32312,7 @@
                         </a:rPr>
                         <a:t>5 мин.</a:t>
                       </a:r>
-                      <a:endParaRPr sz="1100" b="0" strike="noStrike">
+                      <a:endParaRPr sz="1100" b="0" strike="noStrike" dirty="0">
                         <a:latin typeface="Arial"/>
                         <a:ea typeface="Arial"/>
                         <a:cs typeface="Arial"/>
@@ -33498,7 +33689,7 @@
               <a:buNone/>
             </a:pPr>
             <a:r>
-              <a:rPr lang="ru-RU" sz="1800" b="0" i="0" u="none" strike="noStrike" cap="none">
+              <a:rPr lang="ru-RU" sz="1800" b="0" i="0" u="none" strike="noStrike" cap="none" dirty="0">
                 <a:solidFill>
                   <a:schemeClr val="dk1"/>
                 </a:solidFill>
@@ -33510,7 +33701,7 @@
               <a:t>Оглянитесь вокруг — везде находятся объекты: книги, здания, еда и даже Вы. </a:t>
             </a:r>
             <a:r>
-              <a:rPr lang="ru-RU" sz="1800" b="1" i="0" u="none" strike="noStrike" cap="none">
+              <a:rPr lang="ru-RU" sz="1800" b="1" i="0" u="none" strike="noStrike" cap="none" dirty="0">
                 <a:solidFill>
                   <a:schemeClr val="dk1"/>
                 </a:solidFill>
@@ -33522,7 +33713,7 @@
               <a:t>Объекты имеют два основных компонента</a:t>
             </a:r>
             <a:r>
-              <a:rPr lang="ru-RU" sz="1800" b="0" i="0" u="none" strike="noStrike" cap="none">
+              <a:rPr lang="ru-RU" sz="1800" b="0" i="0" u="none" strike="noStrike" cap="none" dirty="0">
                 <a:solidFill>
                   <a:schemeClr val="dk1"/>
                 </a:solidFill>
@@ -33533,7 +33724,7 @@
               </a:rPr>
               <a:t>:</a:t>
             </a:r>
-            <a:endParaRPr/>
+            <a:endParaRPr dirty="0"/>
           </a:p>
           <a:p>
             <a:pPr marL="0" marR="0" lvl="0" indent="0" algn="l" rtl="0">
@@ -33548,7 +33739,7 @@
               </a:spcAft>
               <a:buNone/>
             </a:pPr>
-            <a:endParaRPr sz="1800" b="0" i="0" u="none" strike="noStrike" cap="none">
+            <a:endParaRPr sz="1800" b="0" i="0" u="none" strike="noStrike" cap="none" dirty="0">
               <a:solidFill>
                 <a:schemeClr val="dk1"/>
               </a:solidFill>
@@ -33574,7 +33765,7 @@
               <a:buChar char="•"/>
             </a:pPr>
             <a:r>
-              <a:rPr lang="ru-RU" sz="1800" b="1" i="0" u="none" strike="noStrike" cap="none">
+              <a:rPr lang="ru-RU" sz="1800" b="1" i="0" u="none" strike="noStrike" cap="none" dirty="0">
                 <a:solidFill>
                   <a:srgbClr val="000000"/>
                 </a:solidFill>
@@ -33586,7 +33777,7 @@
               <a:t>Свойства </a:t>
             </a:r>
             <a:r>
-              <a:rPr lang="ru-RU" sz="1800" b="0" i="0" u="none" strike="noStrike" cap="none">
+              <a:rPr lang="ru-RU" sz="1800" b="0" i="0" u="none" strike="noStrike" cap="none" dirty="0">
                 <a:solidFill>
                   <a:srgbClr val="000000"/>
                 </a:solidFill>
@@ -33597,7 +33788,7 @@
               </a:rPr>
               <a:t>(например: вес, цвет, размер, прочность, форма и т. д.)</a:t>
             </a:r>
-            <a:endParaRPr/>
+            <a:endParaRPr dirty="0"/>
           </a:p>
           <a:p>
             <a:pPr marL="285750" marR="0" lvl="0" indent="-285750" algn="l" rtl="0">
@@ -33615,7 +33806,7 @@
               <a:buChar char="•"/>
             </a:pPr>
             <a:r>
-              <a:rPr lang="ru-RU" sz="1800" b="1" i="0" u="none" strike="noStrike" cap="none">
+              <a:rPr lang="ru-RU" sz="1800" b="1" i="0" u="none" strike="noStrike" cap="none" dirty="0">
                 <a:solidFill>
                   <a:srgbClr val="000000"/>
                 </a:solidFill>
@@ -33627,7 +33818,7 @@
               <a:t>Поведение</a:t>
             </a:r>
             <a:r>
-              <a:rPr lang="ru-RU" sz="1800" b="0" i="0" u="none" strike="noStrike" cap="none">
+              <a:rPr lang="ru-RU" sz="1800" b="0" i="0" u="none" strike="noStrike" cap="none" dirty="0">
                 <a:solidFill>
                   <a:srgbClr val="000000"/>
                 </a:solidFill>
@@ -33638,7 +33829,7 @@
               </a:rPr>
               <a:t>, которое они могут проявить (например: открывать что-либо, делать какие-то действия и т. д.)</a:t>
             </a:r>
-            <a:endParaRPr sz="1800" b="1" i="0" u="none" strike="noStrike" cap="none">
+            <a:endParaRPr sz="1800" b="1" i="0" u="none" strike="noStrike" cap="none" dirty="0">
               <a:solidFill>
                 <a:srgbClr val="000000"/>
               </a:solidFill>
@@ -33658,7 +33849,7 @@
               </a:spcAft>
               <a:buNone/>
             </a:pPr>
-            <a:endParaRPr sz="1800" b="0" i="0" u="none" strike="noStrike" cap="none">
+            <a:endParaRPr sz="1800" b="0" i="0" u="none" strike="noStrike" cap="none" dirty="0">
               <a:solidFill>
                 <a:schemeClr val="dk1"/>
               </a:solidFill>
@@ -33679,7 +33870,7 @@
               <a:buNone/>
             </a:pPr>
             <a:r>
-              <a:rPr lang="ru-RU" sz="1800" b="0" i="0" u="none" strike="noStrike" cap="none">
+              <a:rPr lang="ru-RU" sz="1800" b="0" i="0" u="none" strike="noStrike" cap="none" dirty="0">
                 <a:solidFill>
                   <a:schemeClr val="dk1"/>
                 </a:solidFill>
@@ -33691,7 +33882,7 @@
               <a:t>Свойства и поведение неотделимы друг от друга.</a:t>
             </a:r>
             <a:br>
-              <a:rPr lang="ru-RU" sz="1800" b="0" i="0" u="none" strike="noStrike" cap="none">
+              <a:rPr lang="ru-RU" sz="1800" b="0" i="0" u="none" strike="noStrike" cap="none" dirty="0">
                 <a:solidFill>
                   <a:schemeClr val="dk1"/>
                 </a:solidFill>
@@ -33701,7 +33892,7 @@
                 <a:sym typeface="Calibri"/>
               </a:rPr>
             </a:br>
-            <a:endParaRPr sz="1800" b="0" i="0" u="none" strike="noStrike" cap="none">
+            <a:endParaRPr sz="1800" b="0" i="0" u="none" strike="noStrike" cap="none" dirty="0">
               <a:solidFill>
                 <a:schemeClr val="dk1"/>
               </a:solidFill>
@@ -33722,7 +33913,7 @@
               <a:buNone/>
             </a:pPr>
             <a:r>
-              <a:rPr lang="ru-RU" sz="1800" b="1" i="0" u="none" strike="noStrike" cap="none">
+              <a:rPr lang="ru-RU" sz="1800" b="1" i="0" u="none" strike="noStrike" cap="none" dirty="0">
                 <a:solidFill>
                   <a:schemeClr val="dk1"/>
                 </a:solidFill>
@@ -33734,7 +33925,7 @@
               <a:t>Объектно-ориентированное программирование</a:t>
             </a:r>
             <a:r>
-              <a:rPr lang="ru-RU" sz="1800" b="0" i="0" u="none" strike="noStrike" cap="none">
+              <a:rPr lang="ru-RU" sz="1800" b="0" i="0" u="none" strike="noStrike" cap="none" dirty="0">
                 <a:solidFill>
                   <a:schemeClr val="dk1"/>
                 </a:solidFill>
@@ -33746,7 +33937,7 @@
               <a:t> (сокр. </a:t>
             </a:r>
             <a:r>
-              <a:rPr lang="ru-RU" sz="1800" b="1" i="0" u="none" strike="noStrike" cap="none">
+              <a:rPr lang="ru-RU" sz="1800" b="1" i="0" u="none" strike="noStrike" cap="none" dirty="0">
                 <a:solidFill>
                   <a:schemeClr val="dk1"/>
                 </a:solidFill>
@@ -33758,7 +33949,7 @@
               <a:t>«ООП»</a:t>
             </a:r>
             <a:r>
-              <a:rPr lang="ru-RU" sz="1800" b="0" i="0" u="none" strike="noStrike" cap="none">
+              <a:rPr lang="ru-RU" sz="1800" b="0" i="0" u="none" strike="noStrike" cap="none" dirty="0">
                 <a:solidFill>
                   <a:schemeClr val="dk1"/>
                 </a:solidFill>
@@ -33769,7 +33960,7 @@
               </a:rPr>
               <a:t>) предоставляет возможность создавать объекты, которые объединяют свойства и поведение в самостоятельный союз, который затем можно использовать.</a:t>
             </a:r>
-            <a:endParaRPr sz="1800" b="0" i="0" u="none" strike="noStrike" cap="none">
+            <a:endParaRPr sz="1800" b="0" i="0" u="none" strike="noStrike" cap="none" dirty="0">
               <a:solidFill>
                 <a:schemeClr val="dk1"/>
               </a:solidFill>
@@ -33792,7 +33983,7 @@
               </a:spcAft>
               <a:buNone/>
             </a:pPr>
-            <a:endParaRPr sz="1800" b="0" i="0" u="none" strike="noStrike" cap="none">
+            <a:endParaRPr sz="1800" b="0" i="0" u="none" strike="noStrike" cap="none" dirty="0">
               <a:solidFill>
                 <a:schemeClr val="dk1"/>
               </a:solidFill>
@@ -33815,7 +34006,7 @@
               </a:spcAft>
               <a:buNone/>
             </a:pPr>
-            <a:endParaRPr sz="1600" b="0" i="0" u="none" strike="noStrike" cap="none">
+            <a:endParaRPr sz="1600" b="0" i="0" u="none" strike="noStrike" cap="none" dirty="0">
               <a:solidFill>
                 <a:schemeClr val="dk1"/>
               </a:solidFill>
@@ -34449,7 +34640,7 @@
               <a:buNone/>
             </a:pPr>
             <a:r>
-              <a:rPr lang="ru-RU" sz="1600" b="0" i="0" u="none" strike="noStrike" cap="none">
+              <a:rPr lang="ru-RU" sz="1600" b="0" i="0" u="none" strike="noStrike" cap="none" dirty="0">
                 <a:solidFill>
                   <a:schemeClr val="dk1"/>
                 </a:solidFill>
@@ -34460,7 +34651,7 @@
               </a:rPr>
               <a:t>Классы и объекты в С++ являются основными концепциями объектно-ориентированного программирования — ООП.  Объектно-ориентированное программирование — расширение структурного программирования, в котором основными концепциями являются понятия классов и объектов. Основное отличие языка программирования С++ от С состоит в том, что в С нет классов, а следовательно язык С не поддерживает ООП, в отличие от С++.</a:t>
             </a:r>
-            <a:endParaRPr/>
+            <a:endParaRPr dirty="0"/>
           </a:p>
           <a:p>
             <a:pPr marL="0" marR="0" lvl="0" indent="0" algn="l" rtl="0">
@@ -34475,7 +34666,7 @@
               </a:spcAft>
               <a:buNone/>
             </a:pPr>
-            <a:endParaRPr sz="1600" b="0" i="0" u="none" strike="noStrike" cap="none">
+            <a:endParaRPr sz="1600" b="0" i="0" u="none" strike="noStrike" cap="none" dirty="0">
               <a:solidFill>
                 <a:schemeClr val="dk1"/>
               </a:solidFill>
@@ -35239,7 +35430,7 @@
               <a:buNone/>
             </a:pPr>
             <a:r>
-              <a:rPr lang="ru-RU" sz="1800" b="0" i="0" u="none" strike="noStrike" cap="none">
+              <a:rPr lang="ru-RU" sz="1800" b="0" i="0" u="none" strike="noStrike" cap="none" dirty="0">
                 <a:solidFill>
                   <a:schemeClr val="dk1"/>
                 </a:solidFill>
@@ -35248,9 +35439,33 @@
                 <a:cs typeface="Calibri"/>
                 <a:sym typeface="Calibri"/>
               </a:rPr>
-              <a:t>Чтобы понять, для чего же в действительности нужны классы, проведём аналогию с каким-нибудь объектом из повседневной жизни, например,  с велосипедом. Велосипед - это объект, который был построен согласно чертежам. Так вот, эти самые чертежи играют роль классов в ООП. Таким образом классы - это некоторые описания, схемы, чертежи по которым создаются объекты. Теперь ясно, что для создания объекта в ООП необходимо сначала составить чертежи, то есть классы. Классы имеют свои функции, которые называются методами класса. Передвижение велосипеда осуществляется за счёт вращения педалей, если рассматривать велосипед с точки зрения ООП, то механизм вращения педалей — это метод класса. </a:t>
+              <a:t>Чтобы понять, для чего же в действительности нужны классы, проведём аналогию с каким-нибудь объектом из повседневной жизни, например, </a:t>
             </a:r>
-            <a:endParaRPr sz="1800" b="0" i="0" u="none" strike="noStrike" cap="none">
+            <a:r>
+              <a:rPr lang="ru-RU" sz="1800" b="0" i="0" u="none" strike="noStrike" cap="none" dirty="0" smtClean="0">
+                <a:solidFill>
+                  <a:schemeClr val="dk1"/>
+                </a:solidFill>
+                <a:latin typeface="Calibri"/>
+                <a:ea typeface="Calibri"/>
+                <a:cs typeface="Calibri"/>
+                <a:sym typeface="Calibri"/>
+              </a:rPr>
+              <a:t>с </a:t>
+            </a:r>
+            <a:r>
+              <a:rPr lang="ru-RU" sz="1800" b="0" i="0" u="none" strike="noStrike" cap="none" dirty="0">
+                <a:solidFill>
+                  <a:schemeClr val="dk1"/>
+                </a:solidFill>
+                <a:latin typeface="Calibri"/>
+                <a:ea typeface="Calibri"/>
+                <a:cs typeface="Calibri"/>
+                <a:sym typeface="Calibri"/>
+              </a:rPr>
+              <a:t>велосипедом. Велосипед - это объект, который был построен согласно чертежам. Так вот, эти самые чертежи играют роль классов в ООП. Таким образом классы - это некоторые описания, схемы, чертежи по которым создаются объекты. Теперь ясно, что для создания объекта в ООП необходимо сначала составить чертежи, то есть классы. Классы имеют свои функции, которые называются методами класса. Передвижение велосипеда осуществляется за счёт вращения педалей, если рассматривать велосипед с точки зрения ООП, то механизм вращения педалей — это метод класса. </a:t>
+            </a:r>
+            <a:endParaRPr sz="1800" b="0" i="0" u="none" strike="noStrike" cap="none" dirty="0">
               <a:solidFill>
                 <a:schemeClr val="dk1"/>
               </a:solidFill>
@@ -35933,7 +36148,7 @@
               <a:buNone/>
             </a:pPr>
             <a:r>
-              <a:rPr lang="ru-RU" sz="1800" b="0" i="0" u="none" strike="noStrike" cap="none">
+              <a:rPr lang="ru-RU" sz="1800" b="0" i="0" u="none" strike="noStrike" cap="none" dirty="0">
                 <a:solidFill>
                   <a:schemeClr val="dk1"/>
                 </a:solidFill>
@@ -35944,7 +36159,7 @@
               </a:rPr>
               <a:t>Каждый велосипед имеет свой цвет, вес, различные составляющие — всё это свойства. Причём у каждого созданного объекта свойства могут различаться. Имея один класс, можно создать  неограниченно количество объектов (велосипедов), каждый из которых будет обладать одинаковым набором методов, при этом можно не задумываться о внутренней реализации механизма вращения педалей, колёс, срабатывания системы торможения, так как всё это уже будет определено в классе.</a:t>
             </a:r>
-            <a:endParaRPr/>
+            <a:endParaRPr dirty="0"/>
           </a:p>
           <a:p>
             <a:pPr marL="0" marR="0" lvl="0" indent="0" algn="l" rtl="0">
@@ -35959,7 +36174,7 @@
               </a:spcAft>
               <a:buNone/>
             </a:pPr>
-            <a:endParaRPr sz="1800" b="0" i="0" u="none" strike="noStrike" cap="none">
+            <a:endParaRPr sz="1800" b="0" i="0" u="none" strike="noStrike" cap="none" dirty="0">
               <a:solidFill>
                 <a:schemeClr val="dk1"/>
               </a:solidFill>
@@ -36036,7 +36251,7 @@
               <a:buNone/>
             </a:pPr>
             <a:r>
-              <a:rPr lang="ru-RU" sz="1800" b="1" i="0" u="none" strike="noStrike" cap="none">
+              <a:rPr lang="ru-RU" sz="1800" b="1" i="0" u="none" strike="noStrike" cap="none" dirty="0">
                 <a:solidFill>
                   <a:schemeClr val="dk1"/>
                 </a:solidFill>
@@ -36048,7 +36263,7 @@
               <a:t>Классы в С++</a:t>
             </a:r>
             <a:r>
-              <a:rPr lang="ru-RU" sz="1800" b="0" i="0" u="none" strike="noStrike" cap="none">
+              <a:rPr lang="ru-RU" sz="1800" b="0" i="0" u="none" strike="noStrike" cap="none" dirty="0">
                 <a:solidFill>
                   <a:schemeClr val="dk1"/>
                 </a:solidFill>
@@ -36060,7 +36275,7 @@
               <a:t> — это абстракция, описывающая методы, свойства, ещё не существующих объектов. </a:t>
             </a:r>
             <a:r>
-              <a:rPr lang="ru-RU" sz="1800" b="1" i="0" u="none" strike="noStrike" cap="none">
+              <a:rPr lang="ru-RU" sz="1800" b="1" i="0" u="none" strike="noStrike" cap="none" dirty="0">
                 <a:solidFill>
                   <a:schemeClr val="dk1"/>
                 </a:solidFill>
@@ -36072,7 +36287,7 @@
               <a:t>Объекты</a:t>
             </a:r>
             <a:r>
-              <a:rPr lang="ru-RU" sz="1800" b="0" i="0" u="none" strike="noStrike" cap="none">
+              <a:rPr lang="ru-RU" sz="1800" b="0" i="0" u="none" strike="noStrike" cap="none" dirty="0">
                 <a:solidFill>
                   <a:schemeClr val="dk1"/>
                 </a:solidFill>
@@ -36083,7 +36298,7 @@
               </a:rPr>
               <a:t> — конкретное представление абстракции, имеющее свои свойства и методы. Созданные объекты на основе одного класса называются экземплярами этого класса. Эти объекты могут иметь различное поведение, свойства, но все равно будут являться объектами одного класса. </a:t>
             </a:r>
-            <a:endParaRPr sz="1800" b="0" i="0" u="none" strike="noStrike" cap="none">
+            <a:endParaRPr sz="1800" b="0" i="0" u="none" strike="noStrike" cap="none" dirty="0">
               <a:solidFill>
                 <a:schemeClr val="dk1"/>
               </a:solidFill>
